--- a/Transfer/draw_temp.pptx
+++ b/Transfer/draw_temp.pptx
@@ -107,6 +107,11 @@
       </a:defRPr>
     </a:lvl9pPr>
   </p:defaultTextStyle>
+  <p:extLst>
+    <p:ext uri="{EFAFB233-063F-42B5-8137-9DF3F51BA10A}">
+      <p15:sldGuideLst xmlns:p15="http://schemas.microsoft.com/office/powerpoint/2012/main"/>
+    </p:ext>
+  </p:extLst>
 </p:presentation>
 </file>
 
@@ -257,7 +262,7 @@
           <a:p>
             <a:fld id="{BB2C39C5-31A5-4070-AF21-9D0776263D61}" type="datetimeFigureOut">
               <a:rPr lang="ko-KR" altLang="en-US" smtClean="0"/>
-              <a:t>2025-01-12</a:t>
+              <a:t>2025-01-23</a:t>
             </a:fld>
             <a:endParaRPr lang="ko-KR" altLang="en-US"/>
           </a:p>
@@ -455,7 +460,7 @@
           <a:p>
             <a:fld id="{BB2C39C5-31A5-4070-AF21-9D0776263D61}" type="datetimeFigureOut">
               <a:rPr lang="ko-KR" altLang="en-US" smtClean="0"/>
-              <a:t>2025-01-12</a:t>
+              <a:t>2025-01-23</a:t>
             </a:fld>
             <a:endParaRPr lang="ko-KR" altLang="en-US"/>
           </a:p>
@@ -663,7 +668,7 @@
           <a:p>
             <a:fld id="{BB2C39C5-31A5-4070-AF21-9D0776263D61}" type="datetimeFigureOut">
               <a:rPr lang="ko-KR" altLang="en-US" smtClean="0"/>
-              <a:t>2025-01-12</a:t>
+              <a:t>2025-01-23</a:t>
             </a:fld>
             <a:endParaRPr lang="ko-KR" altLang="en-US"/>
           </a:p>
@@ -861,7 +866,7 @@
           <a:p>
             <a:fld id="{BB2C39C5-31A5-4070-AF21-9D0776263D61}" type="datetimeFigureOut">
               <a:rPr lang="ko-KR" altLang="en-US" smtClean="0"/>
-              <a:t>2025-01-12</a:t>
+              <a:t>2025-01-23</a:t>
             </a:fld>
             <a:endParaRPr lang="ko-KR" altLang="en-US"/>
           </a:p>
@@ -1136,7 +1141,7 @@
           <a:p>
             <a:fld id="{BB2C39C5-31A5-4070-AF21-9D0776263D61}" type="datetimeFigureOut">
               <a:rPr lang="ko-KR" altLang="en-US" smtClean="0"/>
-              <a:t>2025-01-12</a:t>
+              <a:t>2025-01-23</a:t>
             </a:fld>
             <a:endParaRPr lang="ko-KR" altLang="en-US"/>
           </a:p>
@@ -1401,7 +1406,7 @@
           <a:p>
             <a:fld id="{BB2C39C5-31A5-4070-AF21-9D0776263D61}" type="datetimeFigureOut">
               <a:rPr lang="ko-KR" altLang="en-US" smtClean="0"/>
-              <a:t>2025-01-12</a:t>
+              <a:t>2025-01-23</a:t>
             </a:fld>
             <a:endParaRPr lang="ko-KR" altLang="en-US"/>
           </a:p>
@@ -1813,7 +1818,7 @@
           <a:p>
             <a:fld id="{BB2C39C5-31A5-4070-AF21-9D0776263D61}" type="datetimeFigureOut">
               <a:rPr lang="ko-KR" altLang="en-US" smtClean="0"/>
-              <a:t>2025-01-12</a:t>
+              <a:t>2025-01-23</a:t>
             </a:fld>
             <a:endParaRPr lang="ko-KR" altLang="en-US"/>
           </a:p>
@@ -1954,7 +1959,7 @@
           <a:p>
             <a:fld id="{BB2C39C5-31A5-4070-AF21-9D0776263D61}" type="datetimeFigureOut">
               <a:rPr lang="ko-KR" altLang="en-US" smtClean="0"/>
-              <a:t>2025-01-12</a:t>
+              <a:t>2025-01-23</a:t>
             </a:fld>
             <a:endParaRPr lang="ko-KR" altLang="en-US"/>
           </a:p>
@@ -2067,7 +2072,7 @@
           <a:p>
             <a:fld id="{BB2C39C5-31A5-4070-AF21-9D0776263D61}" type="datetimeFigureOut">
               <a:rPr lang="ko-KR" altLang="en-US" smtClean="0"/>
-              <a:t>2025-01-12</a:t>
+              <a:t>2025-01-23</a:t>
             </a:fld>
             <a:endParaRPr lang="ko-KR" altLang="en-US"/>
           </a:p>
@@ -2378,7 +2383,7 @@
           <a:p>
             <a:fld id="{BB2C39C5-31A5-4070-AF21-9D0776263D61}" type="datetimeFigureOut">
               <a:rPr lang="ko-KR" altLang="en-US" smtClean="0"/>
-              <a:t>2025-01-12</a:t>
+              <a:t>2025-01-23</a:t>
             </a:fld>
             <a:endParaRPr lang="ko-KR" altLang="en-US"/>
           </a:p>
@@ -2666,7 +2671,7 @@
           <a:p>
             <a:fld id="{BB2C39C5-31A5-4070-AF21-9D0776263D61}" type="datetimeFigureOut">
               <a:rPr lang="ko-KR" altLang="en-US" smtClean="0"/>
-              <a:t>2025-01-12</a:t>
+              <a:t>2025-01-23</a:t>
             </a:fld>
             <a:endParaRPr lang="ko-KR" altLang="en-US"/>
           </a:p>
@@ -2907,7 +2912,7 @@
           <a:p>
             <a:fld id="{BB2C39C5-31A5-4070-AF21-9D0776263D61}" type="datetimeFigureOut">
               <a:rPr lang="ko-KR" altLang="en-US" smtClean="0"/>
-              <a:t>2025-01-12</a:t>
+              <a:t>2025-01-23</a:t>
             </a:fld>
             <a:endParaRPr lang="ko-KR" altLang="en-US"/>
           </a:p>
@@ -4565,6 +4570,771 @@
           <a:chExt cx="0" cy="0"/>
         </a:xfrm>
       </p:grpSpPr>
+      <p:sp>
+        <p:nvSpPr>
+          <p:cNvPr id="2" name="타원 1">
+            <a:extLst>
+              <a:ext uri="{FF2B5EF4-FFF2-40B4-BE49-F238E27FC236}">
+                <a16:creationId xmlns:a16="http://schemas.microsoft.com/office/drawing/2014/main" id="{481AAAA0-13F8-5AB5-742C-FE56B070D6E7}"/>
+              </a:ext>
+            </a:extLst>
+          </p:cNvPr>
+          <p:cNvSpPr/>
+          <p:nvPr/>
+        </p:nvSpPr>
+        <p:spPr>
+          <a:xfrm>
+            <a:off x="857538" y="609600"/>
+            <a:ext cx="398607" cy="381000"/>
+          </a:xfrm>
+          <a:prstGeom prst="ellipse">
+            <a:avLst/>
+          </a:prstGeom>
+          <a:solidFill>
+            <a:schemeClr val="accent4">
+              <a:lumMod val="40000"/>
+              <a:lumOff val="60000"/>
+            </a:schemeClr>
+          </a:solidFill>
+          <a:ln w="28575">
+            <a:solidFill>
+              <a:schemeClr val="accent4">
+                <a:lumMod val="50000"/>
+              </a:schemeClr>
+            </a:solidFill>
+          </a:ln>
+        </p:spPr>
+        <p:style>
+          <a:lnRef idx="2">
+            <a:schemeClr val="accent1">
+              <a:shade val="15000"/>
+            </a:schemeClr>
+          </a:lnRef>
+          <a:fillRef idx="1">
+            <a:schemeClr val="accent1"/>
+          </a:fillRef>
+          <a:effectRef idx="0">
+            <a:schemeClr val="accent1"/>
+          </a:effectRef>
+          <a:fontRef idx="minor">
+            <a:schemeClr val="lt1"/>
+          </a:fontRef>
+        </p:style>
+        <p:txBody>
+          <a:bodyPr rtlCol="0" anchor="ctr"/>
+          <a:lstStyle/>
+          <a:p>
+            <a:pPr algn="ctr"/>
+            <a:r>
+              <a:rPr lang="en-US" altLang="ko-KR" sz="1400" dirty="0">
+                <a:ln w="19050">
+                  <a:solidFill>
+                    <a:schemeClr val="accent2">
+                      <a:lumMod val="75000"/>
+                    </a:schemeClr>
+                  </a:solidFill>
+                </a:ln>
+                <a:solidFill>
+                  <a:schemeClr val="tx1"/>
+                </a:solidFill>
+              </a:rPr>
+              <a:t>1</a:t>
+            </a:r>
+            <a:endParaRPr lang="ko-KR" altLang="en-US" sz="1400" dirty="0">
+              <a:ln w="19050">
+                <a:solidFill>
+                  <a:schemeClr val="accent2">
+                    <a:lumMod val="75000"/>
+                  </a:schemeClr>
+                </a:solidFill>
+              </a:ln>
+              <a:solidFill>
+                <a:schemeClr val="tx1"/>
+              </a:solidFill>
+            </a:endParaRPr>
+          </a:p>
+        </p:txBody>
+      </p:sp>
+      <p:sp>
+        <p:nvSpPr>
+          <p:cNvPr id="3" name="타원 2">
+            <a:extLst>
+              <a:ext uri="{FF2B5EF4-FFF2-40B4-BE49-F238E27FC236}">
+                <a16:creationId xmlns:a16="http://schemas.microsoft.com/office/drawing/2014/main" id="{37457F49-17CD-F16E-73DB-D3F7B4877699}"/>
+              </a:ext>
+            </a:extLst>
+          </p:cNvPr>
+          <p:cNvSpPr/>
+          <p:nvPr/>
+        </p:nvSpPr>
+        <p:spPr>
+          <a:xfrm>
+            <a:off x="1517938" y="609600"/>
+            <a:ext cx="398607" cy="381000"/>
+          </a:xfrm>
+          <a:prstGeom prst="ellipse">
+            <a:avLst/>
+          </a:prstGeom>
+          <a:solidFill>
+            <a:schemeClr val="accent4">
+              <a:lumMod val="40000"/>
+              <a:lumOff val="60000"/>
+            </a:schemeClr>
+          </a:solidFill>
+          <a:ln w="28575">
+            <a:solidFill>
+              <a:schemeClr val="accent4">
+                <a:lumMod val="50000"/>
+              </a:schemeClr>
+            </a:solidFill>
+          </a:ln>
+        </p:spPr>
+        <p:style>
+          <a:lnRef idx="2">
+            <a:schemeClr val="accent1">
+              <a:shade val="15000"/>
+            </a:schemeClr>
+          </a:lnRef>
+          <a:fillRef idx="1">
+            <a:schemeClr val="accent1"/>
+          </a:fillRef>
+          <a:effectRef idx="0">
+            <a:schemeClr val="accent1"/>
+          </a:effectRef>
+          <a:fontRef idx="minor">
+            <a:schemeClr val="lt1"/>
+          </a:fontRef>
+        </p:style>
+        <p:txBody>
+          <a:bodyPr rtlCol="0" anchor="ctr"/>
+          <a:lstStyle/>
+          <a:p>
+            <a:pPr algn="ctr"/>
+            <a:r>
+              <a:rPr lang="en-US" altLang="ko-KR" sz="1400" dirty="0">
+                <a:ln w="19050">
+                  <a:solidFill>
+                    <a:schemeClr val="accent2">
+                      <a:lumMod val="75000"/>
+                    </a:schemeClr>
+                  </a:solidFill>
+                </a:ln>
+                <a:solidFill>
+                  <a:schemeClr val="tx1"/>
+                </a:solidFill>
+              </a:rPr>
+              <a:t>2</a:t>
+            </a:r>
+            <a:endParaRPr lang="ko-KR" altLang="en-US" sz="1400" dirty="0">
+              <a:ln w="19050">
+                <a:solidFill>
+                  <a:schemeClr val="accent2">
+                    <a:lumMod val="75000"/>
+                  </a:schemeClr>
+                </a:solidFill>
+              </a:ln>
+              <a:solidFill>
+                <a:schemeClr val="tx1"/>
+              </a:solidFill>
+            </a:endParaRPr>
+          </a:p>
+        </p:txBody>
+      </p:sp>
+      <p:sp>
+        <p:nvSpPr>
+          <p:cNvPr id="4" name="타원 3">
+            <a:extLst>
+              <a:ext uri="{FF2B5EF4-FFF2-40B4-BE49-F238E27FC236}">
+                <a16:creationId xmlns:a16="http://schemas.microsoft.com/office/drawing/2014/main" id="{2837C21C-8A41-B4A4-87B5-D88B7C8E2428}"/>
+              </a:ext>
+            </a:extLst>
+          </p:cNvPr>
+          <p:cNvSpPr/>
+          <p:nvPr/>
+        </p:nvSpPr>
+        <p:spPr>
+          <a:xfrm>
+            <a:off x="2178338" y="609600"/>
+            <a:ext cx="398607" cy="381000"/>
+          </a:xfrm>
+          <a:prstGeom prst="ellipse">
+            <a:avLst/>
+          </a:prstGeom>
+          <a:solidFill>
+            <a:schemeClr val="accent4">
+              <a:lumMod val="40000"/>
+              <a:lumOff val="60000"/>
+            </a:schemeClr>
+          </a:solidFill>
+          <a:ln w="28575">
+            <a:solidFill>
+              <a:schemeClr val="accent4">
+                <a:lumMod val="50000"/>
+              </a:schemeClr>
+            </a:solidFill>
+          </a:ln>
+        </p:spPr>
+        <p:style>
+          <a:lnRef idx="2">
+            <a:schemeClr val="accent1">
+              <a:shade val="15000"/>
+            </a:schemeClr>
+          </a:lnRef>
+          <a:fillRef idx="1">
+            <a:schemeClr val="accent1"/>
+          </a:fillRef>
+          <a:effectRef idx="0">
+            <a:schemeClr val="accent1"/>
+          </a:effectRef>
+          <a:fontRef idx="minor">
+            <a:schemeClr val="lt1"/>
+          </a:fontRef>
+        </p:style>
+        <p:txBody>
+          <a:bodyPr rtlCol="0" anchor="ctr"/>
+          <a:lstStyle/>
+          <a:p>
+            <a:pPr algn="ctr"/>
+            <a:r>
+              <a:rPr lang="en-US" altLang="ko-KR" sz="1400" dirty="0">
+                <a:ln w="19050">
+                  <a:solidFill>
+                    <a:schemeClr val="accent2">
+                      <a:lumMod val="75000"/>
+                    </a:schemeClr>
+                  </a:solidFill>
+                </a:ln>
+                <a:solidFill>
+                  <a:schemeClr val="tx1"/>
+                </a:solidFill>
+              </a:rPr>
+              <a:t>3</a:t>
+            </a:r>
+            <a:endParaRPr lang="ko-KR" altLang="en-US" sz="1400" dirty="0">
+              <a:ln w="19050">
+                <a:solidFill>
+                  <a:schemeClr val="accent2">
+                    <a:lumMod val="75000"/>
+                  </a:schemeClr>
+                </a:solidFill>
+              </a:ln>
+              <a:solidFill>
+                <a:schemeClr val="tx1"/>
+              </a:solidFill>
+            </a:endParaRPr>
+          </a:p>
+        </p:txBody>
+      </p:sp>
+      <p:sp>
+        <p:nvSpPr>
+          <p:cNvPr id="5" name="타원 4">
+            <a:extLst>
+              <a:ext uri="{FF2B5EF4-FFF2-40B4-BE49-F238E27FC236}">
+                <a16:creationId xmlns:a16="http://schemas.microsoft.com/office/drawing/2014/main" id="{FC06E5B5-8788-588E-EF4D-27EA1EB20188}"/>
+              </a:ext>
+            </a:extLst>
+          </p:cNvPr>
+          <p:cNvSpPr/>
+          <p:nvPr/>
+        </p:nvSpPr>
+        <p:spPr>
+          <a:xfrm>
+            <a:off x="2838738" y="609600"/>
+            <a:ext cx="398607" cy="381000"/>
+          </a:xfrm>
+          <a:prstGeom prst="ellipse">
+            <a:avLst/>
+          </a:prstGeom>
+          <a:solidFill>
+            <a:schemeClr val="accent4">
+              <a:lumMod val="40000"/>
+              <a:lumOff val="60000"/>
+            </a:schemeClr>
+          </a:solidFill>
+          <a:ln w="28575">
+            <a:solidFill>
+              <a:schemeClr val="accent4">
+                <a:lumMod val="50000"/>
+              </a:schemeClr>
+            </a:solidFill>
+          </a:ln>
+        </p:spPr>
+        <p:style>
+          <a:lnRef idx="2">
+            <a:schemeClr val="accent1">
+              <a:shade val="15000"/>
+            </a:schemeClr>
+          </a:lnRef>
+          <a:fillRef idx="1">
+            <a:schemeClr val="accent1"/>
+          </a:fillRef>
+          <a:effectRef idx="0">
+            <a:schemeClr val="accent1"/>
+          </a:effectRef>
+          <a:fontRef idx="minor">
+            <a:schemeClr val="lt1"/>
+          </a:fontRef>
+        </p:style>
+        <p:txBody>
+          <a:bodyPr rtlCol="0" anchor="ctr"/>
+          <a:lstStyle/>
+          <a:p>
+            <a:pPr algn="ctr"/>
+            <a:r>
+              <a:rPr lang="en-US" altLang="ko-KR" sz="1400" dirty="0">
+                <a:ln w="19050">
+                  <a:solidFill>
+                    <a:schemeClr val="accent2">
+                      <a:lumMod val="75000"/>
+                    </a:schemeClr>
+                  </a:solidFill>
+                </a:ln>
+                <a:solidFill>
+                  <a:schemeClr val="tx1"/>
+                </a:solidFill>
+              </a:rPr>
+              <a:t>4</a:t>
+            </a:r>
+            <a:endParaRPr lang="ko-KR" altLang="en-US" sz="1400" dirty="0">
+              <a:ln w="19050">
+                <a:solidFill>
+                  <a:schemeClr val="accent2">
+                    <a:lumMod val="75000"/>
+                  </a:schemeClr>
+                </a:solidFill>
+              </a:ln>
+              <a:solidFill>
+                <a:schemeClr val="tx1"/>
+              </a:solidFill>
+            </a:endParaRPr>
+          </a:p>
+        </p:txBody>
+      </p:sp>
+      <p:sp>
+        <p:nvSpPr>
+          <p:cNvPr id="6" name="타원 5">
+            <a:extLst>
+              <a:ext uri="{FF2B5EF4-FFF2-40B4-BE49-F238E27FC236}">
+                <a16:creationId xmlns:a16="http://schemas.microsoft.com/office/drawing/2014/main" id="{EAE35AF6-E5D7-D6A8-546E-8D852F4C3944}"/>
+              </a:ext>
+            </a:extLst>
+          </p:cNvPr>
+          <p:cNvSpPr/>
+          <p:nvPr/>
+        </p:nvSpPr>
+        <p:spPr>
+          <a:xfrm>
+            <a:off x="3499138" y="609600"/>
+            <a:ext cx="398607" cy="381000"/>
+          </a:xfrm>
+          <a:prstGeom prst="ellipse">
+            <a:avLst/>
+          </a:prstGeom>
+          <a:solidFill>
+            <a:schemeClr val="accent4">
+              <a:lumMod val="40000"/>
+              <a:lumOff val="60000"/>
+            </a:schemeClr>
+          </a:solidFill>
+          <a:ln w="28575">
+            <a:solidFill>
+              <a:schemeClr val="accent4">
+                <a:lumMod val="50000"/>
+              </a:schemeClr>
+            </a:solidFill>
+          </a:ln>
+        </p:spPr>
+        <p:style>
+          <a:lnRef idx="2">
+            <a:schemeClr val="accent1">
+              <a:shade val="15000"/>
+            </a:schemeClr>
+          </a:lnRef>
+          <a:fillRef idx="1">
+            <a:schemeClr val="accent1"/>
+          </a:fillRef>
+          <a:effectRef idx="0">
+            <a:schemeClr val="accent1"/>
+          </a:effectRef>
+          <a:fontRef idx="minor">
+            <a:schemeClr val="lt1"/>
+          </a:fontRef>
+        </p:style>
+        <p:txBody>
+          <a:bodyPr rtlCol="0" anchor="ctr"/>
+          <a:lstStyle/>
+          <a:p>
+            <a:pPr algn="ctr"/>
+            <a:r>
+              <a:rPr lang="en-US" altLang="ko-KR" sz="1400" dirty="0">
+                <a:ln w="19050">
+                  <a:solidFill>
+                    <a:schemeClr val="accent2">
+                      <a:lumMod val="75000"/>
+                    </a:schemeClr>
+                  </a:solidFill>
+                </a:ln>
+                <a:solidFill>
+                  <a:schemeClr val="tx1"/>
+                </a:solidFill>
+              </a:rPr>
+              <a:t>5</a:t>
+            </a:r>
+            <a:endParaRPr lang="ko-KR" altLang="en-US" sz="1400" dirty="0">
+              <a:ln w="19050">
+                <a:solidFill>
+                  <a:schemeClr val="accent2">
+                    <a:lumMod val="75000"/>
+                  </a:schemeClr>
+                </a:solidFill>
+              </a:ln>
+              <a:solidFill>
+                <a:schemeClr val="tx1"/>
+              </a:solidFill>
+            </a:endParaRPr>
+          </a:p>
+        </p:txBody>
+      </p:sp>
+      <p:sp>
+        <p:nvSpPr>
+          <p:cNvPr id="7" name="타원 6">
+            <a:extLst>
+              <a:ext uri="{FF2B5EF4-FFF2-40B4-BE49-F238E27FC236}">
+                <a16:creationId xmlns:a16="http://schemas.microsoft.com/office/drawing/2014/main" id="{E68362AC-6BD4-CFF7-D221-4BD046C1F4E3}"/>
+              </a:ext>
+            </a:extLst>
+          </p:cNvPr>
+          <p:cNvSpPr/>
+          <p:nvPr/>
+        </p:nvSpPr>
+        <p:spPr>
+          <a:xfrm>
+            <a:off x="4159538" y="609600"/>
+            <a:ext cx="398607" cy="381000"/>
+          </a:xfrm>
+          <a:prstGeom prst="ellipse">
+            <a:avLst/>
+          </a:prstGeom>
+          <a:solidFill>
+            <a:schemeClr val="accent4">
+              <a:lumMod val="40000"/>
+              <a:lumOff val="60000"/>
+            </a:schemeClr>
+          </a:solidFill>
+          <a:ln w="28575">
+            <a:solidFill>
+              <a:schemeClr val="accent4">
+                <a:lumMod val="50000"/>
+              </a:schemeClr>
+            </a:solidFill>
+          </a:ln>
+        </p:spPr>
+        <p:style>
+          <a:lnRef idx="2">
+            <a:schemeClr val="accent1">
+              <a:shade val="15000"/>
+            </a:schemeClr>
+          </a:lnRef>
+          <a:fillRef idx="1">
+            <a:schemeClr val="accent1"/>
+          </a:fillRef>
+          <a:effectRef idx="0">
+            <a:schemeClr val="accent1"/>
+          </a:effectRef>
+          <a:fontRef idx="minor">
+            <a:schemeClr val="lt1"/>
+          </a:fontRef>
+        </p:style>
+        <p:txBody>
+          <a:bodyPr rtlCol="0" anchor="ctr"/>
+          <a:lstStyle/>
+          <a:p>
+            <a:pPr algn="ctr"/>
+            <a:r>
+              <a:rPr lang="en-US" altLang="ko-KR" sz="1400" dirty="0">
+                <a:ln w="19050">
+                  <a:solidFill>
+                    <a:schemeClr val="accent2">
+                      <a:lumMod val="75000"/>
+                    </a:schemeClr>
+                  </a:solidFill>
+                </a:ln>
+                <a:solidFill>
+                  <a:schemeClr val="tx1"/>
+                </a:solidFill>
+              </a:rPr>
+              <a:t>6</a:t>
+            </a:r>
+            <a:endParaRPr lang="ko-KR" altLang="en-US" sz="1400" dirty="0">
+              <a:ln w="19050">
+                <a:solidFill>
+                  <a:schemeClr val="accent2">
+                    <a:lumMod val="75000"/>
+                  </a:schemeClr>
+                </a:solidFill>
+              </a:ln>
+              <a:solidFill>
+                <a:schemeClr val="tx1"/>
+              </a:solidFill>
+            </a:endParaRPr>
+          </a:p>
+        </p:txBody>
+      </p:sp>
+      <p:sp>
+        <p:nvSpPr>
+          <p:cNvPr id="8" name="타원 7">
+            <a:extLst>
+              <a:ext uri="{FF2B5EF4-FFF2-40B4-BE49-F238E27FC236}">
+                <a16:creationId xmlns:a16="http://schemas.microsoft.com/office/drawing/2014/main" id="{2998B117-2C3D-24B1-17FC-FC1EBA81DE8B}"/>
+              </a:ext>
+            </a:extLst>
+          </p:cNvPr>
+          <p:cNvSpPr/>
+          <p:nvPr/>
+        </p:nvSpPr>
+        <p:spPr>
+          <a:xfrm>
+            <a:off x="4819938" y="609600"/>
+            <a:ext cx="398607" cy="381000"/>
+          </a:xfrm>
+          <a:prstGeom prst="ellipse">
+            <a:avLst/>
+          </a:prstGeom>
+          <a:solidFill>
+            <a:schemeClr val="accent4">
+              <a:lumMod val="40000"/>
+              <a:lumOff val="60000"/>
+            </a:schemeClr>
+          </a:solidFill>
+          <a:ln w="28575">
+            <a:solidFill>
+              <a:schemeClr val="accent4">
+                <a:lumMod val="50000"/>
+              </a:schemeClr>
+            </a:solidFill>
+          </a:ln>
+        </p:spPr>
+        <p:style>
+          <a:lnRef idx="2">
+            <a:schemeClr val="accent1">
+              <a:shade val="15000"/>
+            </a:schemeClr>
+          </a:lnRef>
+          <a:fillRef idx="1">
+            <a:schemeClr val="accent1"/>
+          </a:fillRef>
+          <a:effectRef idx="0">
+            <a:schemeClr val="accent1"/>
+          </a:effectRef>
+          <a:fontRef idx="minor">
+            <a:schemeClr val="lt1"/>
+          </a:fontRef>
+        </p:style>
+        <p:txBody>
+          <a:bodyPr rtlCol="0" anchor="ctr"/>
+          <a:lstStyle/>
+          <a:p>
+            <a:pPr algn="ctr"/>
+            <a:r>
+              <a:rPr lang="en-US" altLang="ko-KR" sz="1400" dirty="0">
+                <a:ln w="19050">
+                  <a:solidFill>
+                    <a:schemeClr val="accent2">
+                      <a:lumMod val="75000"/>
+                    </a:schemeClr>
+                  </a:solidFill>
+                </a:ln>
+                <a:solidFill>
+                  <a:schemeClr val="tx1"/>
+                </a:solidFill>
+              </a:rPr>
+              <a:t>7</a:t>
+            </a:r>
+            <a:endParaRPr lang="ko-KR" altLang="en-US" sz="1400" dirty="0">
+              <a:ln w="19050">
+                <a:solidFill>
+                  <a:schemeClr val="accent2">
+                    <a:lumMod val="75000"/>
+                  </a:schemeClr>
+                </a:solidFill>
+              </a:ln>
+              <a:solidFill>
+                <a:schemeClr val="tx1"/>
+              </a:solidFill>
+            </a:endParaRPr>
+          </a:p>
+        </p:txBody>
+      </p:sp>
+      <p:sp>
+        <p:nvSpPr>
+          <p:cNvPr id="9" name="타원 8">
+            <a:extLst>
+              <a:ext uri="{FF2B5EF4-FFF2-40B4-BE49-F238E27FC236}">
+                <a16:creationId xmlns:a16="http://schemas.microsoft.com/office/drawing/2014/main" id="{43AD5612-7FB3-61FE-7903-1394701ED1EB}"/>
+              </a:ext>
+            </a:extLst>
+          </p:cNvPr>
+          <p:cNvSpPr/>
+          <p:nvPr/>
+        </p:nvSpPr>
+        <p:spPr>
+          <a:xfrm>
+            <a:off x="5480338" y="609600"/>
+            <a:ext cx="398607" cy="381000"/>
+          </a:xfrm>
+          <a:prstGeom prst="ellipse">
+            <a:avLst/>
+          </a:prstGeom>
+          <a:solidFill>
+            <a:schemeClr val="accent4">
+              <a:lumMod val="40000"/>
+              <a:lumOff val="60000"/>
+            </a:schemeClr>
+          </a:solidFill>
+          <a:ln w="28575">
+            <a:solidFill>
+              <a:schemeClr val="accent4">
+                <a:lumMod val="50000"/>
+              </a:schemeClr>
+            </a:solidFill>
+          </a:ln>
+        </p:spPr>
+        <p:style>
+          <a:lnRef idx="2">
+            <a:schemeClr val="accent1">
+              <a:shade val="15000"/>
+            </a:schemeClr>
+          </a:lnRef>
+          <a:fillRef idx="1">
+            <a:schemeClr val="accent1"/>
+          </a:fillRef>
+          <a:effectRef idx="0">
+            <a:schemeClr val="accent1"/>
+          </a:effectRef>
+          <a:fontRef idx="minor">
+            <a:schemeClr val="lt1"/>
+          </a:fontRef>
+        </p:style>
+        <p:txBody>
+          <a:bodyPr rtlCol="0" anchor="ctr"/>
+          <a:lstStyle/>
+          <a:p>
+            <a:pPr algn="ctr"/>
+            <a:r>
+              <a:rPr lang="en-US" altLang="ko-KR" sz="1400" dirty="0">
+                <a:ln w="19050">
+                  <a:solidFill>
+                    <a:schemeClr val="accent2">
+                      <a:lumMod val="75000"/>
+                    </a:schemeClr>
+                  </a:solidFill>
+                </a:ln>
+                <a:solidFill>
+                  <a:schemeClr val="tx1"/>
+                </a:solidFill>
+              </a:rPr>
+              <a:t>8</a:t>
+            </a:r>
+            <a:endParaRPr lang="ko-KR" altLang="en-US" sz="1400" dirty="0">
+              <a:ln w="19050">
+                <a:solidFill>
+                  <a:schemeClr val="accent2">
+                    <a:lumMod val="75000"/>
+                  </a:schemeClr>
+                </a:solidFill>
+              </a:ln>
+              <a:solidFill>
+                <a:schemeClr val="tx1"/>
+              </a:solidFill>
+            </a:endParaRPr>
+          </a:p>
+        </p:txBody>
+      </p:sp>
+      <p:sp>
+        <p:nvSpPr>
+          <p:cNvPr id="10" name="타원 9">
+            <a:extLst>
+              <a:ext uri="{FF2B5EF4-FFF2-40B4-BE49-F238E27FC236}">
+                <a16:creationId xmlns:a16="http://schemas.microsoft.com/office/drawing/2014/main" id="{A1437D49-7A14-B1F4-79A3-6577D601E047}"/>
+              </a:ext>
+            </a:extLst>
+          </p:cNvPr>
+          <p:cNvSpPr/>
+          <p:nvPr/>
+        </p:nvSpPr>
+        <p:spPr>
+          <a:xfrm>
+            <a:off x="6140738" y="609600"/>
+            <a:ext cx="398607" cy="381000"/>
+          </a:xfrm>
+          <a:prstGeom prst="ellipse">
+            <a:avLst/>
+          </a:prstGeom>
+          <a:solidFill>
+            <a:schemeClr val="accent4">
+              <a:lumMod val="40000"/>
+              <a:lumOff val="60000"/>
+            </a:schemeClr>
+          </a:solidFill>
+          <a:ln w="28575">
+            <a:solidFill>
+              <a:schemeClr val="accent4">
+                <a:lumMod val="50000"/>
+              </a:schemeClr>
+            </a:solidFill>
+          </a:ln>
+        </p:spPr>
+        <p:style>
+          <a:lnRef idx="2">
+            <a:schemeClr val="accent1">
+              <a:shade val="15000"/>
+            </a:schemeClr>
+          </a:lnRef>
+          <a:fillRef idx="1">
+            <a:schemeClr val="accent1"/>
+          </a:fillRef>
+          <a:effectRef idx="0">
+            <a:schemeClr val="accent1"/>
+          </a:effectRef>
+          <a:fontRef idx="minor">
+            <a:schemeClr val="lt1"/>
+          </a:fontRef>
+        </p:style>
+        <p:txBody>
+          <a:bodyPr rtlCol="0" anchor="ctr"/>
+          <a:lstStyle/>
+          <a:p>
+            <a:pPr algn="ctr"/>
+            <a:r>
+              <a:rPr lang="en-US" altLang="ko-KR" sz="1400" dirty="0">
+                <a:ln w="19050">
+                  <a:solidFill>
+                    <a:schemeClr val="accent2">
+                      <a:lumMod val="75000"/>
+                    </a:schemeClr>
+                  </a:solidFill>
+                </a:ln>
+                <a:solidFill>
+                  <a:schemeClr val="tx1"/>
+                </a:solidFill>
+              </a:rPr>
+              <a:t>9</a:t>
+            </a:r>
+            <a:endParaRPr lang="ko-KR" altLang="en-US" sz="1400" dirty="0">
+              <a:ln w="19050">
+                <a:solidFill>
+                  <a:schemeClr val="accent2">
+                    <a:lumMod val="75000"/>
+                  </a:schemeClr>
+                </a:solidFill>
+              </a:ln>
+              <a:solidFill>
+                <a:schemeClr val="tx1"/>
+              </a:solidFill>
+            </a:endParaRPr>
+          </a:p>
+        </p:txBody>
+      </p:sp>
     </p:spTree>
     <p:extLst>
       <p:ext uri="{BB962C8B-B14F-4D97-AF65-F5344CB8AC3E}">

--- a/Transfer/draw_temp.pptx
+++ b/Transfer/draw_temp.pptx
@@ -8,7 +8,11 @@
     <p:sldId id="256" r:id="rId2"/>
     <p:sldId id="257" r:id="rId3"/>
     <p:sldId id="258" r:id="rId4"/>
-    <p:sldId id="259" r:id="rId5"/>
+    <p:sldId id="260" r:id="rId5"/>
+    <p:sldId id="261" r:id="rId6"/>
+    <p:sldId id="262" r:id="rId7"/>
+    <p:sldId id="263" r:id="rId8"/>
+    <p:sldId id="259" r:id="rId9"/>
   </p:sldIdLst>
   <p:sldSz cx="12192000" cy="6858000"/>
   <p:notesSz cx="6858000" cy="9144000"/>
@@ -262,7 +266,7 @@
           <a:p>
             <a:fld id="{BB2C39C5-31A5-4070-AF21-9D0776263D61}" type="datetimeFigureOut">
               <a:rPr lang="ko-KR" altLang="en-US" smtClean="0"/>
-              <a:t>2025-01-23</a:t>
+              <a:t>2025-02-04</a:t>
             </a:fld>
             <a:endParaRPr lang="ko-KR" altLang="en-US"/>
           </a:p>
@@ -460,7 +464,7 @@
           <a:p>
             <a:fld id="{BB2C39C5-31A5-4070-AF21-9D0776263D61}" type="datetimeFigureOut">
               <a:rPr lang="ko-KR" altLang="en-US" smtClean="0"/>
-              <a:t>2025-01-23</a:t>
+              <a:t>2025-02-04</a:t>
             </a:fld>
             <a:endParaRPr lang="ko-KR" altLang="en-US"/>
           </a:p>
@@ -668,7 +672,7 @@
           <a:p>
             <a:fld id="{BB2C39C5-31A5-4070-AF21-9D0776263D61}" type="datetimeFigureOut">
               <a:rPr lang="ko-KR" altLang="en-US" smtClean="0"/>
-              <a:t>2025-01-23</a:t>
+              <a:t>2025-02-04</a:t>
             </a:fld>
             <a:endParaRPr lang="ko-KR" altLang="en-US"/>
           </a:p>
@@ -866,7 +870,7 @@
           <a:p>
             <a:fld id="{BB2C39C5-31A5-4070-AF21-9D0776263D61}" type="datetimeFigureOut">
               <a:rPr lang="ko-KR" altLang="en-US" smtClean="0"/>
-              <a:t>2025-01-23</a:t>
+              <a:t>2025-02-04</a:t>
             </a:fld>
             <a:endParaRPr lang="ko-KR" altLang="en-US"/>
           </a:p>
@@ -1141,7 +1145,7 @@
           <a:p>
             <a:fld id="{BB2C39C5-31A5-4070-AF21-9D0776263D61}" type="datetimeFigureOut">
               <a:rPr lang="ko-KR" altLang="en-US" smtClean="0"/>
-              <a:t>2025-01-23</a:t>
+              <a:t>2025-02-04</a:t>
             </a:fld>
             <a:endParaRPr lang="ko-KR" altLang="en-US"/>
           </a:p>
@@ -1406,7 +1410,7 @@
           <a:p>
             <a:fld id="{BB2C39C5-31A5-4070-AF21-9D0776263D61}" type="datetimeFigureOut">
               <a:rPr lang="ko-KR" altLang="en-US" smtClean="0"/>
-              <a:t>2025-01-23</a:t>
+              <a:t>2025-02-04</a:t>
             </a:fld>
             <a:endParaRPr lang="ko-KR" altLang="en-US"/>
           </a:p>
@@ -1818,7 +1822,7 @@
           <a:p>
             <a:fld id="{BB2C39C5-31A5-4070-AF21-9D0776263D61}" type="datetimeFigureOut">
               <a:rPr lang="ko-KR" altLang="en-US" smtClean="0"/>
-              <a:t>2025-01-23</a:t>
+              <a:t>2025-02-04</a:t>
             </a:fld>
             <a:endParaRPr lang="ko-KR" altLang="en-US"/>
           </a:p>
@@ -1959,7 +1963,7 @@
           <a:p>
             <a:fld id="{BB2C39C5-31A5-4070-AF21-9D0776263D61}" type="datetimeFigureOut">
               <a:rPr lang="ko-KR" altLang="en-US" smtClean="0"/>
-              <a:t>2025-01-23</a:t>
+              <a:t>2025-02-04</a:t>
             </a:fld>
             <a:endParaRPr lang="ko-KR" altLang="en-US"/>
           </a:p>
@@ -2072,7 +2076,7 @@
           <a:p>
             <a:fld id="{BB2C39C5-31A5-4070-AF21-9D0776263D61}" type="datetimeFigureOut">
               <a:rPr lang="ko-KR" altLang="en-US" smtClean="0"/>
-              <a:t>2025-01-23</a:t>
+              <a:t>2025-02-04</a:t>
             </a:fld>
             <a:endParaRPr lang="ko-KR" altLang="en-US"/>
           </a:p>
@@ -2383,7 +2387,7 @@
           <a:p>
             <a:fld id="{BB2C39C5-31A5-4070-AF21-9D0776263D61}" type="datetimeFigureOut">
               <a:rPr lang="ko-KR" altLang="en-US" smtClean="0"/>
-              <a:t>2025-01-23</a:t>
+              <a:t>2025-02-04</a:t>
             </a:fld>
             <a:endParaRPr lang="ko-KR" altLang="en-US"/>
           </a:p>
@@ -2671,7 +2675,7 @@
           <a:p>
             <a:fld id="{BB2C39C5-31A5-4070-AF21-9D0776263D61}" type="datetimeFigureOut">
               <a:rPr lang="ko-KR" altLang="en-US" smtClean="0"/>
-              <a:t>2025-01-23</a:t>
+              <a:t>2025-02-04</a:t>
             </a:fld>
             <a:endParaRPr lang="ko-KR" altLang="en-US"/>
           </a:p>
@@ -2912,7 +2916,7 @@
           <a:p>
             <a:fld id="{BB2C39C5-31A5-4070-AF21-9D0776263D61}" type="datetimeFigureOut">
               <a:rPr lang="ko-KR" altLang="en-US" smtClean="0"/>
-              <a:t>2025-01-23</a:t>
+              <a:t>2025-02-04</a:t>
             </a:fld>
             <a:endParaRPr lang="ko-KR" altLang="en-US"/>
           </a:p>
@@ -5371,6 +5375,1158 @@
           <a:chExt cx="0" cy="0"/>
         </a:xfrm>
       </p:grpSpPr>
+      <p:sp>
+        <p:nvSpPr>
+          <p:cNvPr id="5" name="직사각형 4">
+            <a:extLst>
+              <a:ext uri="{FF2B5EF4-FFF2-40B4-BE49-F238E27FC236}">
+                <a16:creationId xmlns:a16="http://schemas.microsoft.com/office/drawing/2014/main" id="{4A0E850E-A6D4-D456-A261-26134E756263}"/>
+              </a:ext>
+            </a:extLst>
+          </p:cNvPr>
+          <p:cNvSpPr/>
+          <p:nvPr/>
+        </p:nvSpPr>
+        <p:spPr>
+          <a:xfrm>
+            <a:off x="2789382" y="1385455"/>
+            <a:ext cx="1320800" cy="572654"/>
+          </a:xfrm>
+          <a:prstGeom prst="rect">
+            <a:avLst/>
+          </a:prstGeom>
+          <a:solidFill>
+            <a:schemeClr val="accent4">
+              <a:lumMod val="50000"/>
+            </a:schemeClr>
+          </a:solidFill>
+        </p:spPr>
+        <p:style>
+          <a:lnRef idx="2">
+            <a:schemeClr val="accent1">
+              <a:shade val="15000"/>
+            </a:schemeClr>
+          </a:lnRef>
+          <a:fillRef idx="1">
+            <a:schemeClr val="accent1"/>
+          </a:fillRef>
+          <a:effectRef idx="0">
+            <a:schemeClr val="accent1"/>
+          </a:effectRef>
+          <a:fontRef idx="minor">
+            <a:schemeClr val="lt1"/>
+          </a:fontRef>
+        </p:style>
+        <p:txBody>
+          <a:bodyPr rtlCol="0" anchor="ctr"/>
+          <a:lstStyle/>
+          <a:p>
+            <a:pPr algn="ctr"/>
+            <a:r>
+              <a:rPr lang="en-US" altLang="ko-KR" sz="1400" dirty="0">
+                <a:solidFill>
+                  <a:schemeClr val="bg1"/>
+                </a:solidFill>
+              </a:rPr>
+              <a:t>Content</a:t>
+            </a:r>
+            <a:endParaRPr lang="ko-KR" altLang="en-US" sz="1400" dirty="0">
+              <a:solidFill>
+                <a:schemeClr val="bg1"/>
+              </a:solidFill>
+            </a:endParaRPr>
+          </a:p>
+        </p:txBody>
+      </p:sp>
+      <p:sp>
+        <p:nvSpPr>
+          <p:cNvPr id="6" name="직사각형 5">
+            <a:extLst>
+              <a:ext uri="{FF2B5EF4-FFF2-40B4-BE49-F238E27FC236}">
+                <a16:creationId xmlns:a16="http://schemas.microsoft.com/office/drawing/2014/main" id="{C9B2B15E-49AE-115B-1D56-70B369F87D68}"/>
+              </a:ext>
+            </a:extLst>
+          </p:cNvPr>
+          <p:cNvSpPr/>
+          <p:nvPr/>
+        </p:nvSpPr>
+        <p:spPr>
+          <a:xfrm>
+            <a:off x="2789382" y="2262909"/>
+            <a:ext cx="1320800" cy="572654"/>
+          </a:xfrm>
+          <a:prstGeom prst="rect">
+            <a:avLst/>
+          </a:prstGeom>
+          <a:solidFill>
+            <a:schemeClr val="accent4">
+              <a:lumMod val="50000"/>
+            </a:schemeClr>
+          </a:solidFill>
+        </p:spPr>
+        <p:style>
+          <a:lnRef idx="2">
+            <a:schemeClr val="accent1">
+              <a:shade val="15000"/>
+            </a:schemeClr>
+          </a:lnRef>
+          <a:fillRef idx="1">
+            <a:schemeClr val="accent1"/>
+          </a:fillRef>
+          <a:effectRef idx="0">
+            <a:schemeClr val="accent1"/>
+          </a:effectRef>
+          <a:fontRef idx="minor">
+            <a:schemeClr val="lt1"/>
+          </a:fontRef>
+        </p:style>
+        <p:txBody>
+          <a:bodyPr rtlCol="0" anchor="ctr"/>
+          <a:lstStyle/>
+          <a:p>
+            <a:pPr algn="ctr"/>
+            <a:r>
+              <a:rPr lang="en-US" altLang="ko-KR" sz="1400" dirty="0">
+                <a:solidFill>
+                  <a:schemeClr val="bg1"/>
+                </a:solidFill>
+              </a:rPr>
+              <a:t>Operations</a:t>
+            </a:r>
+            <a:endParaRPr lang="ko-KR" altLang="en-US" sz="1400" dirty="0">
+              <a:solidFill>
+                <a:schemeClr val="bg1"/>
+              </a:solidFill>
+            </a:endParaRPr>
+          </a:p>
+        </p:txBody>
+      </p:sp>
+      <p:sp>
+        <p:nvSpPr>
+          <p:cNvPr id="7" name="직사각형 6">
+            <a:extLst>
+              <a:ext uri="{FF2B5EF4-FFF2-40B4-BE49-F238E27FC236}">
+                <a16:creationId xmlns:a16="http://schemas.microsoft.com/office/drawing/2014/main" id="{5C5AC8EF-531A-0FFD-0A24-9AFFB075C364}"/>
+              </a:ext>
+            </a:extLst>
+          </p:cNvPr>
+          <p:cNvSpPr/>
+          <p:nvPr/>
+        </p:nvSpPr>
+        <p:spPr>
+          <a:xfrm>
+            <a:off x="2789382" y="3142673"/>
+            <a:ext cx="1320800" cy="572654"/>
+          </a:xfrm>
+          <a:prstGeom prst="rect">
+            <a:avLst/>
+          </a:prstGeom>
+          <a:solidFill>
+            <a:schemeClr val="accent4">
+              <a:lumMod val="50000"/>
+            </a:schemeClr>
+          </a:solidFill>
+        </p:spPr>
+        <p:style>
+          <a:lnRef idx="2">
+            <a:schemeClr val="accent1">
+              <a:shade val="15000"/>
+            </a:schemeClr>
+          </a:lnRef>
+          <a:fillRef idx="1">
+            <a:schemeClr val="accent1"/>
+          </a:fillRef>
+          <a:effectRef idx="0">
+            <a:schemeClr val="accent1"/>
+          </a:effectRef>
+          <a:fontRef idx="minor">
+            <a:schemeClr val="lt1"/>
+          </a:fontRef>
+        </p:style>
+        <p:txBody>
+          <a:bodyPr rtlCol="0" anchor="ctr"/>
+          <a:lstStyle/>
+          <a:p>
+            <a:pPr algn="ctr"/>
+            <a:r>
+              <a:rPr lang="en-US" altLang="ko-KR" sz="1400" dirty="0">
+                <a:solidFill>
+                  <a:schemeClr val="bg1"/>
+                </a:solidFill>
+              </a:rPr>
+              <a:t>Messages</a:t>
+            </a:r>
+            <a:endParaRPr lang="ko-KR" altLang="en-US" sz="1400" dirty="0">
+              <a:solidFill>
+                <a:schemeClr val="bg1"/>
+              </a:solidFill>
+            </a:endParaRPr>
+          </a:p>
+        </p:txBody>
+      </p:sp>
+      <p:sp>
+        <p:nvSpPr>
+          <p:cNvPr id="8" name="직사각형 7">
+            <a:extLst>
+              <a:ext uri="{FF2B5EF4-FFF2-40B4-BE49-F238E27FC236}">
+                <a16:creationId xmlns:a16="http://schemas.microsoft.com/office/drawing/2014/main" id="{E59339CE-8C9F-B6CA-6233-B9D65E7C41EB}"/>
+              </a:ext>
+            </a:extLst>
+          </p:cNvPr>
+          <p:cNvSpPr/>
+          <p:nvPr/>
+        </p:nvSpPr>
+        <p:spPr>
+          <a:xfrm>
+            <a:off x="2789382" y="4022437"/>
+            <a:ext cx="1320800" cy="572654"/>
+          </a:xfrm>
+          <a:prstGeom prst="rect">
+            <a:avLst/>
+          </a:prstGeom>
+          <a:solidFill>
+            <a:schemeClr val="accent4">
+              <a:lumMod val="50000"/>
+            </a:schemeClr>
+          </a:solidFill>
+        </p:spPr>
+        <p:style>
+          <a:lnRef idx="2">
+            <a:schemeClr val="accent1">
+              <a:shade val="15000"/>
+            </a:schemeClr>
+          </a:lnRef>
+          <a:fillRef idx="1">
+            <a:schemeClr val="accent1"/>
+          </a:fillRef>
+          <a:effectRef idx="0">
+            <a:schemeClr val="accent1"/>
+          </a:effectRef>
+          <a:fontRef idx="minor">
+            <a:schemeClr val="lt1"/>
+          </a:fontRef>
+        </p:style>
+        <p:txBody>
+          <a:bodyPr rtlCol="0" anchor="ctr"/>
+          <a:lstStyle/>
+          <a:p>
+            <a:pPr algn="ctr"/>
+            <a:r>
+              <a:rPr lang="en-US" altLang="ko-KR" sz="1400" dirty="0">
+                <a:solidFill>
+                  <a:schemeClr val="bg1"/>
+                </a:solidFill>
+              </a:rPr>
+              <a:t>Secure</a:t>
+            </a:r>
+          </a:p>
+          <a:p>
+            <a:pPr algn="ctr"/>
+            <a:r>
+              <a:rPr lang="en-US" altLang="ko-KR" sz="1400" dirty="0">
+                <a:solidFill>
+                  <a:schemeClr val="bg1"/>
+                </a:solidFill>
+              </a:rPr>
+              <a:t>Transport</a:t>
+            </a:r>
+            <a:endParaRPr lang="ko-KR" altLang="en-US" sz="1400" dirty="0">
+              <a:solidFill>
+                <a:schemeClr val="bg1"/>
+              </a:solidFill>
+            </a:endParaRPr>
+          </a:p>
+        </p:txBody>
+      </p:sp>
+      <p:sp>
+        <p:nvSpPr>
+          <p:cNvPr id="9" name="직사각형 8">
+            <a:extLst>
+              <a:ext uri="{FF2B5EF4-FFF2-40B4-BE49-F238E27FC236}">
+                <a16:creationId xmlns:a16="http://schemas.microsoft.com/office/drawing/2014/main" id="{D82F0CBE-4A31-F6F4-5CFA-DCD458230C8B}"/>
+              </a:ext>
+            </a:extLst>
+          </p:cNvPr>
+          <p:cNvSpPr/>
+          <p:nvPr/>
+        </p:nvSpPr>
+        <p:spPr>
+          <a:xfrm>
+            <a:off x="4622800" y="1385455"/>
+            <a:ext cx="1320800" cy="572654"/>
+          </a:xfrm>
+          <a:prstGeom prst="rect">
+            <a:avLst/>
+          </a:prstGeom>
+          <a:solidFill>
+            <a:schemeClr val="accent6">
+              <a:lumMod val="75000"/>
+            </a:schemeClr>
+          </a:solidFill>
+        </p:spPr>
+        <p:style>
+          <a:lnRef idx="2">
+            <a:schemeClr val="accent1">
+              <a:shade val="15000"/>
+            </a:schemeClr>
+          </a:lnRef>
+          <a:fillRef idx="1">
+            <a:schemeClr val="accent1"/>
+          </a:fillRef>
+          <a:effectRef idx="0">
+            <a:schemeClr val="accent1"/>
+          </a:effectRef>
+          <a:fontRef idx="minor">
+            <a:schemeClr val="lt1"/>
+          </a:fontRef>
+        </p:style>
+        <p:txBody>
+          <a:bodyPr rtlCol="0" anchor="ctr"/>
+          <a:lstStyle/>
+          <a:p>
+            <a:pPr algn="ctr"/>
+            <a:r>
+              <a:rPr lang="en-US" altLang="ko-KR" sz="1200" dirty="0">
+                <a:solidFill>
+                  <a:schemeClr val="bg1"/>
+                </a:solidFill>
+              </a:rPr>
+              <a:t>Configuration</a:t>
+            </a:r>
+          </a:p>
+          <a:p>
+            <a:pPr algn="ctr"/>
+            <a:r>
+              <a:rPr lang="en-US" altLang="ko-KR" sz="1200" dirty="0">
+                <a:solidFill>
+                  <a:schemeClr val="bg1"/>
+                </a:solidFill>
+              </a:rPr>
+              <a:t>data</a:t>
+            </a:r>
+            <a:endParaRPr lang="ko-KR" altLang="en-US" sz="1200" dirty="0">
+              <a:solidFill>
+                <a:schemeClr val="bg1"/>
+              </a:solidFill>
+            </a:endParaRPr>
+          </a:p>
+        </p:txBody>
+      </p:sp>
+      <p:sp>
+        <p:nvSpPr>
+          <p:cNvPr id="10" name="직사각형 9">
+            <a:extLst>
+              <a:ext uri="{FF2B5EF4-FFF2-40B4-BE49-F238E27FC236}">
+                <a16:creationId xmlns:a16="http://schemas.microsoft.com/office/drawing/2014/main" id="{D1773FA4-D1F2-1CF3-C903-07678A7945DE}"/>
+              </a:ext>
+            </a:extLst>
+          </p:cNvPr>
+          <p:cNvSpPr/>
+          <p:nvPr/>
+        </p:nvSpPr>
+        <p:spPr>
+          <a:xfrm>
+            <a:off x="4622800" y="2262909"/>
+            <a:ext cx="1320800" cy="572654"/>
+          </a:xfrm>
+          <a:prstGeom prst="rect">
+            <a:avLst/>
+          </a:prstGeom>
+          <a:solidFill>
+            <a:schemeClr val="accent6">
+              <a:lumMod val="75000"/>
+            </a:schemeClr>
+          </a:solidFill>
+        </p:spPr>
+        <p:style>
+          <a:lnRef idx="2">
+            <a:schemeClr val="accent1">
+              <a:shade val="15000"/>
+            </a:schemeClr>
+          </a:lnRef>
+          <a:fillRef idx="1">
+            <a:schemeClr val="accent1"/>
+          </a:fillRef>
+          <a:effectRef idx="0">
+            <a:schemeClr val="accent1"/>
+          </a:effectRef>
+          <a:fontRef idx="minor">
+            <a:schemeClr val="lt1"/>
+          </a:fontRef>
+        </p:style>
+        <p:txBody>
+          <a:bodyPr rtlCol="0" anchor="ctr"/>
+          <a:lstStyle/>
+          <a:p>
+            <a:pPr algn="ctr"/>
+            <a:r>
+              <a:rPr lang="en-US" altLang="ko-KR" sz="1200" dirty="0">
+                <a:solidFill>
+                  <a:schemeClr val="bg1"/>
+                </a:solidFill>
+              </a:rPr>
+              <a:t>&lt;edit-config&gt;</a:t>
+            </a:r>
+            <a:endParaRPr lang="ko-KR" altLang="en-US" sz="1200" dirty="0">
+              <a:solidFill>
+                <a:schemeClr val="bg1"/>
+              </a:solidFill>
+            </a:endParaRPr>
+          </a:p>
+        </p:txBody>
+      </p:sp>
+      <p:sp>
+        <p:nvSpPr>
+          <p:cNvPr id="11" name="직사각형 10">
+            <a:extLst>
+              <a:ext uri="{FF2B5EF4-FFF2-40B4-BE49-F238E27FC236}">
+                <a16:creationId xmlns:a16="http://schemas.microsoft.com/office/drawing/2014/main" id="{65C18A45-CD06-90D3-6872-16A6AF440367}"/>
+              </a:ext>
+            </a:extLst>
+          </p:cNvPr>
+          <p:cNvSpPr/>
+          <p:nvPr/>
+        </p:nvSpPr>
+        <p:spPr>
+          <a:xfrm>
+            <a:off x="4622800" y="3140363"/>
+            <a:ext cx="1320800" cy="572654"/>
+          </a:xfrm>
+          <a:prstGeom prst="rect">
+            <a:avLst/>
+          </a:prstGeom>
+          <a:solidFill>
+            <a:schemeClr val="accent6">
+              <a:lumMod val="75000"/>
+            </a:schemeClr>
+          </a:solidFill>
+        </p:spPr>
+        <p:style>
+          <a:lnRef idx="2">
+            <a:schemeClr val="accent1">
+              <a:shade val="15000"/>
+            </a:schemeClr>
+          </a:lnRef>
+          <a:fillRef idx="1">
+            <a:schemeClr val="accent1"/>
+          </a:fillRef>
+          <a:effectRef idx="0">
+            <a:schemeClr val="accent1"/>
+          </a:effectRef>
+          <a:fontRef idx="minor">
+            <a:schemeClr val="lt1"/>
+          </a:fontRef>
+        </p:style>
+        <p:txBody>
+          <a:bodyPr rtlCol="0" anchor="ctr"/>
+          <a:lstStyle/>
+          <a:p>
+            <a:pPr algn="ctr"/>
+            <a:r>
+              <a:rPr lang="en-US" altLang="ko-KR" sz="1200" dirty="0">
+                <a:solidFill>
+                  <a:schemeClr val="bg1"/>
+                </a:solidFill>
+              </a:rPr>
+              <a:t>&lt;</a:t>
+            </a:r>
+            <a:r>
+              <a:rPr lang="en-US" altLang="ko-KR" sz="1200" dirty="0" err="1">
+                <a:solidFill>
+                  <a:schemeClr val="bg1"/>
+                </a:solidFill>
+              </a:rPr>
+              <a:t>rpc</a:t>
+            </a:r>
+            <a:r>
+              <a:rPr lang="en-US" altLang="ko-KR" sz="1200" dirty="0">
+                <a:solidFill>
+                  <a:schemeClr val="bg1"/>
+                </a:solidFill>
+              </a:rPr>
+              <a:t>&gt;,</a:t>
+            </a:r>
+          </a:p>
+          <a:p>
+            <a:pPr algn="ctr"/>
+            <a:r>
+              <a:rPr lang="en-US" altLang="ko-KR" sz="1200" dirty="0">
+                <a:solidFill>
+                  <a:schemeClr val="bg1"/>
+                </a:solidFill>
+              </a:rPr>
+              <a:t>&lt;</a:t>
+            </a:r>
+            <a:r>
+              <a:rPr lang="en-US" altLang="ko-KR" sz="1200" dirty="0" err="1">
+                <a:solidFill>
+                  <a:schemeClr val="bg1"/>
+                </a:solidFill>
+              </a:rPr>
+              <a:t>rpc</a:t>
+            </a:r>
+            <a:r>
+              <a:rPr lang="en-US" altLang="ko-KR" sz="1200" dirty="0">
+                <a:solidFill>
+                  <a:schemeClr val="bg1"/>
+                </a:solidFill>
+              </a:rPr>
+              <a:t>-reply&gt;</a:t>
+            </a:r>
+            <a:endParaRPr lang="ko-KR" altLang="en-US" sz="1200" dirty="0">
+              <a:solidFill>
+                <a:schemeClr val="bg1"/>
+              </a:solidFill>
+            </a:endParaRPr>
+          </a:p>
+        </p:txBody>
+      </p:sp>
+      <p:sp>
+        <p:nvSpPr>
+          <p:cNvPr id="12" name="직사각형 11">
+            <a:extLst>
+              <a:ext uri="{FF2B5EF4-FFF2-40B4-BE49-F238E27FC236}">
+                <a16:creationId xmlns:a16="http://schemas.microsoft.com/office/drawing/2014/main" id="{4415EE12-6B68-B16F-6480-B322946A6FB1}"/>
+              </a:ext>
+            </a:extLst>
+          </p:cNvPr>
+          <p:cNvSpPr/>
+          <p:nvPr/>
+        </p:nvSpPr>
+        <p:spPr>
+          <a:xfrm>
+            <a:off x="6456218" y="1385455"/>
+            <a:ext cx="1320800" cy="572654"/>
+          </a:xfrm>
+          <a:prstGeom prst="rect">
+            <a:avLst/>
+          </a:prstGeom>
+          <a:solidFill>
+            <a:schemeClr val="accent6">
+              <a:lumMod val="75000"/>
+            </a:schemeClr>
+          </a:solidFill>
+        </p:spPr>
+        <p:style>
+          <a:lnRef idx="2">
+            <a:schemeClr val="accent1">
+              <a:shade val="15000"/>
+            </a:schemeClr>
+          </a:lnRef>
+          <a:fillRef idx="1">
+            <a:schemeClr val="accent1"/>
+          </a:fillRef>
+          <a:effectRef idx="0">
+            <a:schemeClr val="accent1"/>
+          </a:effectRef>
+          <a:fontRef idx="minor">
+            <a:schemeClr val="lt1"/>
+          </a:fontRef>
+        </p:style>
+        <p:txBody>
+          <a:bodyPr rtlCol="0" anchor="ctr"/>
+          <a:lstStyle/>
+          <a:p>
+            <a:pPr algn="ctr"/>
+            <a:r>
+              <a:rPr lang="en-US" altLang="ko-KR" sz="1200" dirty="0">
+                <a:solidFill>
+                  <a:schemeClr val="bg1"/>
+                </a:solidFill>
+              </a:rPr>
+              <a:t>Notification</a:t>
+            </a:r>
+          </a:p>
+          <a:p>
+            <a:pPr algn="ctr"/>
+            <a:r>
+              <a:rPr lang="en-US" altLang="ko-KR" sz="1200" dirty="0">
+                <a:solidFill>
+                  <a:schemeClr val="bg1"/>
+                </a:solidFill>
+              </a:rPr>
+              <a:t>data</a:t>
+            </a:r>
+            <a:endParaRPr lang="ko-KR" altLang="en-US" sz="1200" dirty="0">
+              <a:solidFill>
+                <a:schemeClr val="bg1"/>
+              </a:solidFill>
+            </a:endParaRPr>
+          </a:p>
+        </p:txBody>
+      </p:sp>
+      <p:sp>
+        <p:nvSpPr>
+          <p:cNvPr id="13" name="직사각형 12">
+            <a:extLst>
+              <a:ext uri="{FF2B5EF4-FFF2-40B4-BE49-F238E27FC236}">
+                <a16:creationId xmlns:a16="http://schemas.microsoft.com/office/drawing/2014/main" id="{8ED8C3E5-E056-D04D-87E9-B210BC394DA7}"/>
+              </a:ext>
+            </a:extLst>
+          </p:cNvPr>
+          <p:cNvSpPr/>
+          <p:nvPr/>
+        </p:nvSpPr>
+        <p:spPr>
+          <a:xfrm>
+            <a:off x="6456218" y="3140363"/>
+            <a:ext cx="1320800" cy="572654"/>
+          </a:xfrm>
+          <a:prstGeom prst="rect">
+            <a:avLst/>
+          </a:prstGeom>
+          <a:solidFill>
+            <a:schemeClr val="accent6">
+              <a:lumMod val="75000"/>
+            </a:schemeClr>
+          </a:solidFill>
+        </p:spPr>
+        <p:style>
+          <a:lnRef idx="2">
+            <a:schemeClr val="accent1">
+              <a:shade val="15000"/>
+            </a:schemeClr>
+          </a:lnRef>
+          <a:fillRef idx="1">
+            <a:schemeClr val="accent1"/>
+          </a:fillRef>
+          <a:effectRef idx="0">
+            <a:schemeClr val="accent1"/>
+          </a:effectRef>
+          <a:fontRef idx="minor">
+            <a:schemeClr val="lt1"/>
+          </a:fontRef>
+        </p:style>
+        <p:txBody>
+          <a:bodyPr rtlCol="0" anchor="ctr"/>
+          <a:lstStyle/>
+          <a:p>
+            <a:pPr algn="ctr"/>
+            <a:r>
+              <a:rPr lang="en-US" altLang="ko-KR" sz="1200" dirty="0">
+                <a:solidFill>
+                  <a:schemeClr val="bg1"/>
+                </a:solidFill>
+              </a:rPr>
+              <a:t>&lt;notification&gt;</a:t>
+            </a:r>
+            <a:endParaRPr lang="ko-KR" altLang="en-US" sz="1200" dirty="0">
+              <a:solidFill>
+                <a:schemeClr val="bg1"/>
+              </a:solidFill>
+            </a:endParaRPr>
+          </a:p>
+        </p:txBody>
+      </p:sp>
+      <p:sp>
+        <p:nvSpPr>
+          <p:cNvPr id="14" name="직사각형 13">
+            <a:extLst>
+              <a:ext uri="{FF2B5EF4-FFF2-40B4-BE49-F238E27FC236}">
+                <a16:creationId xmlns:a16="http://schemas.microsoft.com/office/drawing/2014/main" id="{9292A9AC-6855-C7C2-2A33-FF73221F2A92}"/>
+              </a:ext>
+            </a:extLst>
+          </p:cNvPr>
+          <p:cNvSpPr/>
+          <p:nvPr/>
+        </p:nvSpPr>
+        <p:spPr>
+          <a:xfrm>
+            <a:off x="4622800" y="4017817"/>
+            <a:ext cx="3154218" cy="572654"/>
+          </a:xfrm>
+          <a:prstGeom prst="rect">
+            <a:avLst/>
+          </a:prstGeom>
+          <a:solidFill>
+            <a:schemeClr val="accent6">
+              <a:lumMod val="75000"/>
+            </a:schemeClr>
+          </a:solidFill>
+        </p:spPr>
+        <p:style>
+          <a:lnRef idx="2">
+            <a:schemeClr val="accent1">
+              <a:shade val="15000"/>
+            </a:schemeClr>
+          </a:lnRef>
+          <a:fillRef idx="1">
+            <a:schemeClr val="accent1"/>
+          </a:fillRef>
+          <a:effectRef idx="0">
+            <a:schemeClr val="accent1"/>
+          </a:effectRef>
+          <a:fontRef idx="minor">
+            <a:schemeClr val="lt1"/>
+          </a:fontRef>
+        </p:style>
+        <p:txBody>
+          <a:bodyPr rtlCol="0" anchor="ctr"/>
+          <a:lstStyle/>
+          <a:p>
+            <a:pPr algn="ctr"/>
+            <a:r>
+              <a:rPr lang="en-US" altLang="ko-KR" sz="1200" dirty="0">
+                <a:solidFill>
+                  <a:schemeClr val="bg1"/>
+                </a:solidFill>
+              </a:rPr>
+              <a:t>SSH, TLS, BEEP/TLS, SOAP/HTTP/TLS, …</a:t>
+            </a:r>
+            <a:endParaRPr lang="ko-KR" altLang="en-US" sz="1200" dirty="0">
+              <a:solidFill>
+                <a:schemeClr val="bg1"/>
+              </a:solidFill>
+            </a:endParaRPr>
+          </a:p>
+        </p:txBody>
+      </p:sp>
+      <p:cxnSp>
+        <p:nvCxnSpPr>
+          <p:cNvPr id="16" name="직선 연결선 15">
+            <a:extLst>
+              <a:ext uri="{FF2B5EF4-FFF2-40B4-BE49-F238E27FC236}">
+                <a16:creationId xmlns:a16="http://schemas.microsoft.com/office/drawing/2014/main" id="{1376E1AB-9702-9DE4-5840-BFB7C11FBAA0}"/>
+              </a:ext>
+            </a:extLst>
+          </p:cNvPr>
+          <p:cNvCxnSpPr>
+            <a:stCxn id="5" idx="2"/>
+            <a:endCxn id="6" idx="0"/>
+          </p:cNvCxnSpPr>
+          <p:nvPr/>
+        </p:nvCxnSpPr>
+        <p:spPr>
+          <a:xfrm>
+            <a:off x="3449782" y="1958109"/>
+            <a:ext cx="0" cy="304800"/>
+          </a:xfrm>
+          <a:prstGeom prst="line">
+            <a:avLst/>
+          </a:prstGeom>
+          <a:ln w="28575">
+            <a:solidFill>
+              <a:schemeClr val="accent2"/>
+            </a:solidFill>
+          </a:ln>
+        </p:spPr>
+        <p:style>
+          <a:lnRef idx="1">
+            <a:schemeClr val="accent1"/>
+          </a:lnRef>
+          <a:fillRef idx="0">
+            <a:schemeClr val="accent1"/>
+          </a:fillRef>
+          <a:effectRef idx="0">
+            <a:schemeClr val="accent1"/>
+          </a:effectRef>
+          <a:fontRef idx="minor">
+            <a:schemeClr val="tx1"/>
+          </a:fontRef>
+        </p:style>
+      </p:cxnSp>
+      <p:cxnSp>
+        <p:nvCxnSpPr>
+          <p:cNvPr id="17" name="직선 연결선 16">
+            <a:extLst>
+              <a:ext uri="{FF2B5EF4-FFF2-40B4-BE49-F238E27FC236}">
+                <a16:creationId xmlns:a16="http://schemas.microsoft.com/office/drawing/2014/main" id="{40EEEBBB-9748-4153-644D-92BB4D3217C4}"/>
+              </a:ext>
+            </a:extLst>
+          </p:cNvPr>
+          <p:cNvCxnSpPr/>
+          <p:nvPr/>
+        </p:nvCxnSpPr>
+        <p:spPr>
+          <a:xfrm>
+            <a:off x="3449782" y="2835563"/>
+            <a:ext cx="0" cy="304800"/>
+          </a:xfrm>
+          <a:prstGeom prst="line">
+            <a:avLst/>
+          </a:prstGeom>
+          <a:ln w="28575">
+            <a:solidFill>
+              <a:schemeClr val="accent2"/>
+            </a:solidFill>
+          </a:ln>
+        </p:spPr>
+        <p:style>
+          <a:lnRef idx="1">
+            <a:schemeClr val="accent1"/>
+          </a:lnRef>
+          <a:fillRef idx="0">
+            <a:schemeClr val="accent1"/>
+          </a:fillRef>
+          <a:effectRef idx="0">
+            <a:schemeClr val="accent1"/>
+          </a:effectRef>
+          <a:fontRef idx="minor">
+            <a:schemeClr val="tx1"/>
+          </a:fontRef>
+        </p:style>
+      </p:cxnSp>
+      <p:cxnSp>
+        <p:nvCxnSpPr>
+          <p:cNvPr id="18" name="직선 연결선 17">
+            <a:extLst>
+              <a:ext uri="{FF2B5EF4-FFF2-40B4-BE49-F238E27FC236}">
+                <a16:creationId xmlns:a16="http://schemas.microsoft.com/office/drawing/2014/main" id="{5AA560D5-0579-F0CE-0EEF-204C3975039D}"/>
+              </a:ext>
+            </a:extLst>
+          </p:cNvPr>
+          <p:cNvCxnSpPr/>
+          <p:nvPr/>
+        </p:nvCxnSpPr>
+        <p:spPr>
+          <a:xfrm>
+            <a:off x="3449782" y="3713017"/>
+            <a:ext cx="0" cy="304800"/>
+          </a:xfrm>
+          <a:prstGeom prst="line">
+            <a:avLst/>
+          </a:prstGeom>
+          <a:ln w="28575">
+            <a:solidFill>
+              <a:schemeClr val="accent2"/>
+            </a:solidFill>
+          </a:ln>
+        </p:spPr>
+        <p:style>
+          <a:lnRef idx="1">
+            <a:schemeClr val="accent1"/>
+          </a:lnRef>
+          <a:fillRef idx="0">
+            <a:schemeClr val="accent1"/>
+          </a:fillRef>
+          <a:effectRef idx="0">
+            <a:schemeClr val="accent1"/>
+          </a:effectRef>
+          <a:fontRef idx="minor">
+            <a:schemeClr val="tx1"/>
+          </a:fontRef>
+        </p:style>
+      </p:cxnSp>
+      <p:cxnSp>
+        <p:nvCxnSpPr>
+          <p:cNvPr id="19" name="직선 연결선 18">
+            <a:extLst>
+              <a:ext uri="{FF2B5EF4-FFF2-40B4-BE49-F238E27FC236}">
+                <a16:creationId xmlns:a16="http://schemas.microsoft.com/office/drawing/2014/main" id="{EE6C4DF1-7FF0-654F-B5F2-4D28CAF76C72}"/>
+              </a:ext>
+            </a:extLst>
+          </p:cNvPr>
+          <p:cNvCxnSpPr/>
+          <p:nvPr/>
+        </p:nvCxnSpPr>
+        <p:spPr>
+          <a:xfrm>
+            <a:off x="5273964" y="1958109"/>
+            <a:ext cx="0" cy="304800"/>
+          </a:xfrm>
+          <a:prstGeom prst="line">
+            <a:avLst/>
+          </a:prstGeom>
+          <a:ln w="28575">
+            <a:solidFill>
+              <a:schemeClr val="accent2"/>
+            </a:solidFill>
+          </a:ln>
+        </p:spPr>
+        <p:style>
+          <a:lnRef idx="1">
+            <a:schemeClr val="accent1"/>
+          </a:lnRef>
+          <a:fillRef idx="0">
+            <a:schemeClr val="accent1"/>
+          </a:fillRef>
+          <a:effectRef idx="0">
+            <a:schemeClr val="accent1"/>
+          </a:effectRef>
+          <a:fontRef idx="minor">
+            <a:schemeClr val="tx1"/>
+          </a:fontRef>
+        </p:style>
+      </p:cxnSp>
+      <p:cxnSp>
+        <p:nvCxnSpPr>
+          <p:cNvPr id="20" name="직선 연결선 19">
+            <a:extLst>
+              <a:ext uri="{FF2B5EF4-FFF2-40B4-BE49-F238E27FC236}">
+                <a16:creationId xmlns:a16="http://schemas.microsoft.com/office/drawing/2014/main" id="{E9D9216E-B223-827D-4E77-3CCBE78537A1}"/>
+              </a:ext>
+            </a:extLst>
+          </p:cNvPr>
+          <p:cNvCxnSpPr/>
+          <p:nvPr/>
+        </p:nvCxnSpPr>
+        <p:spPr>
+          <a:xfrm>
+            <a:off x="5273964" y="2835563"/>
+            <a:ext cx="0" cy="304800"/>
+          </a:xfrm>
+          <a:prstGeom prst="line">
+            <a:avLst/>
+          </a:prstGeom>
+          <a:ln w="28575">
+            <a:solidFill>
+              <a:schemeClr val="accent2"/>
+            </a:solidFill>
+          </a:ln>
+        </p:spPr>
+        <p:style>
+          <a:lnRef idx="1">
+            <a:schemeClr val="accent1"/>
+          </a:lnRef>
+          <a:fillRef idx="0">
+            <a:schemeClr val="accent1"/>
+          </a:fillRef>
+          <a:effectRef idx="0">
+            <a:schemeClr val="accent1"/>
+          </a:effectRef>
+          <a:fontRef idx="minor">
+            <a:schemeClr val="tx1"/>
+          </a:fontRef>
+        </p:style>
+      </p:cxnSp>
+      <p:cxnSp>
+        <p:nvCxnSpPr>
+          <p:cNvPr id="21" name="직선 연결선 20">
+            <a:extLst>
+              <a:ext uri="{FF2B5EF4-FFF2-40B4-BE49-F238E27FC236}">
+                <a16:creationId xmlns:a16="http://schemas.microsoft.com/office/drawing/2014/main" id="{5156F113-2FCE-11CC-88D0-6A5C172DE872}"/>
+              </a:ext>
+            </a:extLst>
+          </p:cNvPr>
+          <p:cNvCxnSpPr/>
+          <p:nvPr/>
+        </p:nvCxnSpPr>
+        <p:spPr>
+          <a:xfrm>
+            <a:off x="5273964" y="3713017"/>
+            <a:ext cx="0" cy="304800"/>
+          </a:xfrm>
+          <a:prstGeom prst="line">
+            <a:avLst/>
+          </a:prstGeom>
+          <a:ln w="28575">
+            <a:solidFill>
+              <a:schemeClr val="accent2"/>
+            </a:solidFill>
+          </a:ln>
+        </p:spPr>
+        <p:style>
+          <a:lnRef idx="1">
+            <a:schemeClr val="accent1"/>
+          </a:lnRef>
+          <a:fillRef idx="0">
+            <a:schemeClr val="accent1"/>
+          </a:fillRef>
+          <a:effectRef idx="0">
+            <a:schemeClr val="accent1"/>
+          </a:effectRef>
+          <a:fontRef idx="minor">
+            <a:schemeClr val="tx1"/>
+          </a:fontRef>
+        </p:style>
+      </p:cxnSp>
+      <p:cxnSp>
+        <p:nvCxnSpPr>
+          <p:cNvPr id="22" name="직선 연결선 21">
+            <a:extLst>
+              <a:ext uri="{FF2B5EF4-FFF2-40B4-BE49-F238E27FC236}">
+                <a16:creationId xmlns:a16="http://schemas.microsoft.com/office/drawing/2014/main" id="{F6159956-F89D-93D7-DDC7-403794BCD646}"/>
+              </a:ext>
+            </a:extLst>
+          </p:cNvPr>
+          <p:cNvCxnSpPr>
+            <a:cxnSpLocks/>
+            <a:stCxn id="12" idx="2"/>
+            <a:endCxn id="13" idx="0"/>
+          </p:cNvCxnSpPr>
+          <p:nvPr/>
+        </p:nvCxnSpPr>
+        <p:spPr>
+          <a:xfrm>
+            <a:off x="7116618" y="1958109"/>
+            <a:ext cx="0" cy="1182254"/>
+          </a:xfrm>
+          <a:prstGeom prst="line">
+            <a:avLst/>
+          </a:prstGeom>
+          <a:ln w="28575">
+            <a:solidFill>
+              <a:schemeClr val="accent2"/>
+            </a:solidFill>
+          </a:ln>
+        </p:spPr>
+        <p:style>
+          <a:lnRef idx="1">
+            <a:schemeClr val="accent1"/>
+          </a:lnRef>
+          <a:fillRef idx="0">
+            <a:schemeClr val="accent1"/>
+          </a:fillRef>
+          <a:effectRef idx="0">
+            <a:schemeClr val="accent1"/>
+          </a:effectRef>
+          <a:fontRef idx="minor">
+            <a:schemeClr val="tx1"/>
+          </a:fontRef>
+        </p:style>
+      </p:cxnSp>
+      <p:cxnSp>
+        <p:nvCxnSpPr>
+          <p:cNvPr id="25" name="직선 연결선 24">
+            <a:extLst>
+              <a:ext uri="{FF2B5EF4-FFF2-40B4-BE49-F238E27FC236}">
+                <a16:creationId xmlns:a16="http://schemas.microsoft.com/office/drawing/2014/main" id="{AC37F3DF-CF4C-7BA7-78BD-DEAC8C2736AB}"/>
+              </a:ext>
+            </a:extLst>
+          </p:cNvPr>
+          <p:cNvCxnSpPr/>
+          <p:nvPr/>
+        </p:nvCxnSpPr>
+        <p:spPr>
+          <a:xfrm>
+            <a:off x="7116618" y="3713017"/>
+            <a:ext cx="0" cy="304800"/>
+          </a:xfrm>
+          <a:prstGeom prst="line">
+            <a:avLst/>
+          </a:prstGeom>
+          <a:ln w="28575">
+            <a:solidFill>
+              <a:schemeClr val="accent2"/>
+            </a:solidFill>
+          </a:ln>
+        </p:spPr>
+        <p:style>
+          <a:lnRef idx="1">
+            <a:schemeClr val="accent1"/>
+          </a:lnRef>
+          <a:fillRef idx="0">
+            <a:schemeClr val="accent1"/>
+          </a:fillRef>
+          <a:effectRef idx="0">
+            <a:schemeClr val="accent1"/>
+          </a:effectRef>
+          <a:fontRef idx="minor">
+            <a:schemeClr val="tx1"/>
+          </a:fontRef>
+        </p:style>
+      </p:cxnSp>
+      <p:sp>
+        <p:nvSpPr>
+          <p:cNvPr id="26" name="TextBox 25">
+            <a:extLst>
+              <a:ext uri="{FF2B5EF4-FFF2-40B4-BE49-F238E27FC236}">
+                <a16:creationId xmlns:a16="http://schemas.microsoft.com/office/drawing/2014/main" id="{F824336A-1063-69E6-81E0-360F85ECB360}"/>
+              </a:ext>
+            </a:extLst>
+          </p:cNvPr>
+          <p:cNvSpPr txBox="1"/>
+          <p:nvPr/>
+        </p:nvSpPr>
+        <p:spPr>
+          <a:xfrm>
+            <a:off x="2789382" y="4710547"/>
+            <a:ext cx="4987636" cy="307777"/>
+          </a:xfrm>
+          <a:prstGeom prst="rect">
+            <a:avLst/>
+          </a:prstGeom>
+          <a:noFill/>
+        </p:spPr>
+        <p:txBody>
+          <a:bodyPr wrap="square" rtlCol="0">
+            <a:spAutoFit/>
+          </a:bodyPr>
+          <a:lstStyle/>
+          <a:p>
+            <a:pPr algn="ctr"/>
+            <a:r>
+              <a:rPr lang="en-US" altLang="ko-KR" sz="1400" dirty="0"/>
+              <a:t>Figure 1: NETCONF Protocol Layers</a:t>
+            </a:r>
+            <a:endParaRPr lang="ko-KR" altLang="en-US" sz="1400" dirty="0"/>
+          </a:p>
+        </p:txBody>
+      </p:sp>
+      <p:sp>
+        <p:nvSpPr>
+          <p:cNvPr id="27" name="TextBox 26">
+            <a:extLst>
+              <a:ext uri="{FF2B5EF4-FFF2-40B4-BE49-F238E27FC236}">
+                <a16:creationId xmlns:a16="http://schemas.microsoft.com/office/drawing/2014/main" id="{0EA51FC8-2D11-AC3C-8784-5D6CC8E87E7F}"/>
+              </a:ext>
+            </a:extLst>
+          </p:cNvPr>
+          <p:cNvSpPr txBox="1"/>
+          <p:nvPr/>
+        </p:nvSpPr>
+        <p:spPr>
+          <a:xfrm>
+            <a:off x="2789381" y="1073058"/>
+            <a:ext cx="1320801" cy="276999"/>
+          </a:xfrm>
+          <a:prstGeom prst="rect">
+            <a:avLst/>
+          </a:prstGeom>
+          <a:noFill/>
+        </p:spPr>
+        <p:txBody>
+          <a:bodyPr wrap="square" rtlCol="0">
+            <a:spAutoFit/>
+          </a:bodyPr>
+          <a:lstStyle/>
+          <a:p>
+            <a:pPr algn="ctr"/>
+            <a:r>
+              <a:rPr lang="en-US" altLang="ko-KR" sz="1200" dirty="0"/>
+              <a:t>Layer</a:t>
+            </a:r>
+            <a:endParaRPr lang="ko-KR" altLang="en-US" sz="1200" dirty="0"/>
+          </a:p>
+        </p:txBody>
+      </p:sp>
+      <p:sp>
+        <p:nvSpPr>
+          <p:cNvPr id="28" name="TextBox 27">
+            <a:extLst>
+              <a:ext uri="{FF2B5EF4-FFF2-40B4-BE49-F238E27FC236}">
+                <a16:creationId xmlns:a16="http://schemas.microsoft.com/office/drawing/2014/main" id="{D45733F1-8E2A-EC9D-F026-EC6BCB56A5F5}"/>
+              </a:ext>
+            </a:extLst>
+          </p:cNvPr>
+          <p:cNvSpPr txBox="1"/>
+          <p:nvPr/>
+        </p:nvSpPr>
+        <p:spPr>
+          <a:xfrm>
+            <a:off x="4613563" y="1070795"/>
+            <a:ext cx="1320801" cy="276999"/>
+          </a:xfrm>
+          <a:prstGeom prst="rect">
+            <a:avLst/>
+          </a:prstGeom>
+          <a:noFill/>
+        </p:spPr>
+        <p:txBody>
+          <a:bodyPr wrap="square" rtlCol="0">
+            <a:spAutoFit/>
+          </a:bodyPr>
+          <a:lstStyle/>
+          <a:p>
+            <a:pPr algn="ctr"/>
+            <a:r>
+              <a:rPr lang="en-US" altLang="ko-KR" sz="1200" dirty="0"/>
+              <a:t>Example</a:t>
+            </a:r>
+            <a:endParaRPr lang="ko-KR" altLang="en-US" sz="1200" dirty="0"/>
+          </a:p>
+        </p:txBody>
+      </p:sp>
     </p:spTree>
     <p:extLst>
       <p:ext uri="{BB962C8B-B14F-4D97-AF65-F5344CB8AC3E}">
@@ -5385,6 +6541,150 @@
 </file>
 
 <file path=ppt/slides/slide4.xml><?xml version="1.0" encoding="utf-8"?>
+<p:sld xmlns:a="http://schemas.openxmlformats.org/drawingml/2006/main" xmlns:r="http://schemas.openxmlformats.org/officeDocument/2006/relationships" xmlns:p="http://schemas.openxmlformats.org/presentationml/2006/main">
+  <p:cSld>
+    <p:spTree>
+      <p:nvGrpSpPr>
+        <p:cNvPr id="1" name="">
+          <a:extLst>
+            <a:ext uri="{FF2B5EF4-FFF2-40B4-BE49-F238E27FC236}">
+              <a16:creationId xmlns:a16="http://schemas.microsoft.com/office/drawing/2014/main" id="{1EE96AA2-B2FB-FD5D-0839-B044965DD68C}"/>
+            </a:ext>
+          </a:extLst>
+        </p:cNvPr>
+        <p:cNvGrpSpPr/>
+        <p:nvPr/>
+      </p:nvGrpSpPr>
+      <p:grpSpPr>
+        <a:xfrm>
+          <a:off x="0" y="0"/>
+          <a:ext cx="0" cy="0"/>
+          <a:chOff x="0" y="0"/>
+          <a:chExt cx="0" cy="0"/>
+        </a:xfrm>
+      </p:grpSpPr>
+    </p:spTree>
+    <p:extLst>
+      <p:ext uri="{BB962C8B-B14F-4D97-AF65-F5344CB8AC3E}">
+        <p14:creationId xmlns:p14="http://schemas.microsoft.com/office/powerpoint/2010/main" val="1778791099"/>
+      </p:ext>
+    </p:extLst>
+  </p:cSld>
+  <p:clrMapOvr>
+    <a:masterClrMapping/>
+  </p:clrMapOvr>
+</p:sld>
+</file>
+
+<file path=ppt/slides/slide5.xml><?xml version="1.0" encoding="utf-8"?>
+<p:sld xmlns:a="http://schemas.openxmlformats.org/drawingml/2006/main" xmlns:r="http://schemas.openxmlformats.org/officeDocument/2006/relationships" xmlns:p="http://schemas.openxmlformats.org/presentationml/2006/main">
+  <p:cSld>
+    <p:spTree>
+      <p:nvGrpSpPr>
+        <p:cNvPr id="1" name="">
+          <a:extLst>
+            <a:ext uri="{FF2B5EF4-FFF2-40B4-BE49-F238E27FC236}">
+              <a16:creationId xmlns:a16="http://schemas.microsoft.com/office/drawing/2014/main" id="{179B2AB0-0AB7-DCF7-48D7-68966D48A47B}"/>
+            </a:ext>
+          </a:extLst>
+        </p:cNvPr>
+        <p:cNvGrpSpPr/>
+        <p:nvPr/>
+      </p:nvGrpSpPr>
+      <p:grpSpPr>
+        <a:xfrm>
+          <a:off x="0" y="0"/>
+          <a:ext cx="0" cy="0"/>
+          <a:chOff x="0" y="0"/>
+          <a:chExt cx="0" cy="0"/>
+        </a:xfrm>
+      </p:grpSpPr>
+    </p:spTree>
+    <p:extLst>
+      <p:ext uri="{BB962C8B-B14F-4D97-AF65-F5344CB8AC3E}">
+        <p14:creationId xmlns:p14="http://schemas.microsoft.com/office/powerpoint/2010/main" val="1853585760"/>
+      </p:ext>
+    </p:extLst>
+  </p:cSld>
+  <p:clrMapOvr>
+    <a:masterClrMapping/>
+  </p:clrMapOvr>
+</p:sld>
+</file>
+
+<file path=ppt/slides/slide6.xml><?xml version="1.0" encoding="utf-8"?>
+<p:sld xmlns:a="http://schemas.openxmlformats.org/drawingml/2006/main" xmlns:r="http://schemas.openxmlformats.org/officeDocument/2006/relationships" xmlns:p="http://schemas.openxmlformats.org/presentationml/2006/main">
+  <p:cSld>
+    <p:spTree>
+      <p:nvGrpSpPr>
+        <p:cNvPr id="1" name="">
+          <a:extLst>
+            <a:ext uri="{FF2B5EF4-FFF2-40B4-BE49-F238E27FC236}">
+              <a16:creationId xmlns:a16="http://schemas.microsoft.com/office/drawing/2014/main" id="{7E6A92F3-4A0E-15FE-4E51-0B1CA5DEF874}"/>
+            </a:ext>
+          </a:extLst>
+        </p:cNvPr>
+        <p:cNvGrpSpPr/>
+        <p:nvPr/>
+      </p:nvGrpSpPr>
+      <p:grpSpPr>
+        <a:xfrm>
+          <a:off x="0" y="0"/>
+          <a:ext cx="0" cy="0"/>
+          <a:chOff x="0" y="0"/>
+          <a:chExt cx="0" cy="0"/>
+        </a:xfrm>
+      </p:grpSpPr>
+    </p:spTree>
+    <p:extLst>
+      <p:ext uri="{BB962C8B-B14F-4D97-AF65-F5344CB8AC3E}">
+        <p14:creationId xmlns:p14="http://schemas.microsoft.com/office/powerpoint/2010/main" val="2937761822"/>
+      </p:ext>
+    </p:extLst>
+  </p:cSld>
+  <p:clrMapOvr>
+    <a:masterClrMapping/>
+  </p:clrMapOvr>
+</p:sld>
+</file>
+
+<file path=ppt/slides/slide7.xml><?xml version="1.0" encoding="utf-8"?>
+<p:sld xmlns:a="http://schemas.openxmlformats.org/drawingml/2006/main" xmlns:r="http://schemas.openxmlformats.org/officeDocument/2006/relationships" xmlns:p="http://schemas.openxmlformats.org/presentationml/2006/main">
+  <p:cSld>
+    <p:spTree>
+      <p:nvGrpSpPr>
+        <p:cNvPr id="1" name="">
+          <a:extLst>
+            <a:ext uri="{FF2B5EF4-FFF2-40B4-BE49-F238E27FC236}">
+              <a16:creationId xmlns:a16="http://schemas.microsoft.com/office/drawing/2014/main" id="{3F6CE90F-EF99-2E2F-C311-F2FECA4D3B1F}"/>
+            </a:ext>
+          </a:extLst>
+        </p:cNvPr>
+        <p:cNvGrpSpPr/>
+        <p:nvPr/>
+      </p:nvGrpSpPr>
+      <p:grpSpPr>
+        <a:xfrm>
+          <a:off x="0" y="0"/>
+          <a:ext cx="0" cy="0"/>
+          <a:chOff x="0" y="0"/>
+          <a:chExt cx="0" cy="0"/>
+        </a:xfrm>
+      </p:grpSpPr>
+    </p:spTree>
+    <p:extLst>
+      <p:ext uri="{BB962C8B-B14F-4D97-AF65-F5344CB8AC3E}">
+        <p14:creationId xmlns:p14="http://schemas.microsoft.com/office/powerpoint/2010/main" val="2332690822"/>
+      </p:ext>
+    </p:extLst>
+  </p:cSld>
+  <p:clrMapOvr>
+    <a:masterClrMapping/>
+  </p:clrMapOvr>
+</p:sld>
+</file>
+
+<file path=ppt/slides/slide8.xml><?xml version="1.0" encoding="utf-8"?>
 <p:sld xmlns:a="http://schemas.openxmlformats.org/drawingml/2006/main" xmlns:r="http://schemas.openxmlformats.org/officeDocument/2006/relationships" xmlns:p="http://schemas.openxmlformats.org/presentationml/2006/main">
   <p:cSld>
     <p:spTree>

--- a/Transfer/draw_temp.pptx
+++ b/Transfer/draw_temp.pptx
@@ -8,7 +8,7 @@
     <p:sldId id="256" r:id="rId2"/>
     <p:sldId id="257" r:id="rId3"/>
     <p:sldId id="258" r:id="rId4"/>
-    <p:sldId id="260" r:id="rId5"/>
+    <p:sldId id="264" r:id="rId5"/>
     <p:sldId id="261" r:id="rId6"/>
     <p:sldId id="262" r:id="rId7"/>
     <p:sldId id="263" r:id="rId8"/>
@@ -266,7 +266,7 @@
           <a:p>
             <a:fld id="{BB2C39C5-31A5-4070-AF21-9D0776263D61}" type="datetimeFigureOut">
               <a:rPr lang="ko-KR" altLang="en-US" smtClean="0"/>
-              <a:t>2025-02-04</a:t>
+              <a:t>2025-02-06</a:t>
             </a:fld>
             <a:endParaRPr lang="ko-KR" altLang="en-US"/>
           </a:p>
@@ -464,7 +464,7 @@
           <a:p>
             <a:fld id="{BB2C39C5-31A5-4070-AF21-9D0776263D61}" type="datetimeFigureOut">
               <a:rPr lang="ko-KR" altLang="en-US" smtClean="0"/>
-              <a:t>2025-02-04</a:t>
+              <a:t>2025-02-06</a:t>
             </a:fld>
             <a:endParaRPr lang="ko-KR" altLang="en-US"/>
           </a:p>
@@ -672,7 +672,7 @@
           <a:p>
             <a:fld id="{BB2C39C5-31A5-4070-AF21-9D0776263D61}" type="datetimeFigureOut">
               <a:rPr lang="ko-KR" altLang="en-US" smtClean="0"/>
-              <a:t>2025-02-04</a:t>
+              <a:t>2025-02-06</a:t>
             </a:fld>
             <a:endParaRPr lang="ko-KR" altLang="en-US"/>
           </a:p>
@@ -870,7 +870,7 @@
           <a:p>
             <a:fld id="{BB2C39C5-31A5-4070-AF21-9D0776263D61}" type="datetimeFigureOut">
               <a:rPr lang="ko-KR" altLang="en-US" smtClean="0"/>
-              <a:t>2025-02-04</a:t>
+              <a:t>2025-02-06</a:t>
             </a:fld>
             <a:endParaRPr lang="ko-KR" altLang="en-US"/>
           </a:p>
@@ -1145,7 +1145,7 @@
           <a:p>
             <a:fld id="{BB2C39C5-31A5-4070-AF21-9D0776263D61}" type="datetimeFigureOut">
               <a:rPr lang="ko-KR" altLang="en-US" smtClean="0"/>
-              <a:t>2025-02-04</a:t>
+              <a:t>2025-02-06</a:t>
             </a:fld>
             <a:endParaRPr lang="ko-KR" altLang="en-US"/>
           </a:p>
@@ -1410,7 +1410,7 @@
           <a:p>
             <a:fld id="{BB2C39C5-31A5-4070-AF21-9D0776263D61}" type="datetimeFigureOut">
               <a:rPr lang="ko-KR" altLang="en-US" smtClean="0"/>
-              <a:t>2025-02-04</a:t>
+              <a:t>2025-02-06</a:t>
             </a:fld>
             <a:endParaRPr lang="ko-KR" altLang="en-US"/>
           </a:p>
@@ -1822,7 +1822,7 @@
           <a:p>
             <a:fld id="{BB2C39C5-31A5-4070-AF21-9D0776263D61}" type="datetimeFigureOut">
               <a:rPr lang="ko-KR" altLang="en-US" smtClean="0"/>
-              <a:t>2025-02-04</a:t>
+              <a:t>2025-02-06</a:t>
             </a:fld>
             <a:endParaRPr lang="ko-KR" altLang="en-US"/>
           </a:p>
@@ -1963,7 +1963,7 @@
           <a:p>
             <a:fld id="{BB2C39C5-31A5-4070-AF21-9D0776263D61}" type="datetimeFigureOut">
               <a:rPr lang="ko-KR" altLang="en-US" smtClean="0"/>
-              <a:t>2025-02-04</a:t>
+              <a:t>2025-02-06</a:t>
             </a:fld>
             <a:endParaRPr lang="ko-KR" altLang="en-US"/>
           </a:p>
@@ -2076,7 +2076,7 @@
           <a:p>
             <a:fld id="{BB2C39C5-31A5-4070-AF21-9D0776263D61}" type="datetimeFigureOut">
               <a:rPr lang="ko-KR" altLang="en-US" smtClean="0"/>
-              <a:t>2025-02-04</a:t>
+              <a:t>2025-02-06</a:t>
             </a:fld>
             <a:endParaRPr lang="ko-KR" altLang="en-US"/>
           </a:p>
@@ -2387,7 +2387,7 @@
           <a:p>
             <a:fld id="{BB2C39C5-31A5-4070-AF21-9D0776263D61}" type="datetimeFigureOut">
               <a:rPr lang="ko-KR" altLang="en-US" smtClean="0"/>
-              <a:t>2025-02-04</a:t>
+              <a:t>2025-02-06</a:t>
             </a:fld>
             <a:endParaRPr lang="ko-KR" altLang="en-US"/>
           </a:p>
@@ -2675,7 +2675,7 @@
           <a:p>
             <a:fld id="{BB2C39C5-31A5-4070-AF21-9D0776263D61}" type="datetimeFigureOut">
               <a:rPr lang="ko-KR" altLang="en-US" smtClean="0"/>
-              <a:t>2025-02-04</a:t>
+              <a:t>2025-02-06</a:t>
             </a:fld>
             <a:endParaRPr lang="ko-KR" altLang="en-US"/>
           </a:p>
@@ -2916,7 +2916,7 @@
           <a:p>
             <a:fld id="{BB2C39C5-31A5-4070-AF21-9D0776263D61}" type="datetimeFigureOut">
               <a:rPr lang="ko-KR" altLang="en-US" smtClean="0"/>
-              <a:t>2025-02-04</a:t>
+              <a:t>2025-02-06</a:t>
             </a:fld>
             <a:endParaRPr lang="ko-KR" altLang="en-US"/>
           </a:p>
@@ -6548,7 +6548,7 @@
         <p:cNvPr id="1" name="">
           <a:extLst>
             <a:ext uri="{FF2B5EF4-FFF2-40B4-BE49-F238E27FC236}">
-              <a16:creationId xmlns:a16="http://schemas.microsoft.com/office/drawing/2014/main" id="{1EE96AA2-B2FB-FD5D-0839-B044965DD68C}"/>
+              <a16:creationId xmlns:a16="http://schemas.microsoft.com/office/drawing/2014/main" id="{2C3E5C93-18C6-3C99-545C-FA696AF118FB}"/>
             </a:ext>
           </a:extLst>
         </p:cNvPr>
@@ -6563,10 +6563,1107 @@
           <a:chExt cx="0" cy="0"/>
         </a:xfrm>
       </p:grpSpPr>
+      <p:sp>
+        <p:nvSpPr>
+          <p:cNvPr id="2" name="직사각형 1">
+            <a:extLst>
+              <a:ext uri="{FF2B5EF4-FFF2-40B4-BE49-F238E27FC236}">
+                <a16:creationId xmlns:a16="http://schemas.microsoft.com/office/drawing/2014/main" id="{2E05E062-6555-F05F-D11A-74956D8F0657}"/>
+              </a:ext>
+            </a:extLst>
+          </p:cNvPr>
+          <p:cNvSpPr/>
+          <p:nvPr/>
+        </p:nvSpPr>
+        <p:spPr>
+          <a:xfrm>
+            <a:off x="2623124" y="895925"/>
+            <a:ext cx="1256145" cy="286328"/>
+          </a:xfrm>
+          <a:prstGeom prst="rect">
+            <a:avLst/>
+          </a:prstGeom>
+        </p:spPr>
+        <p:style>
+          <a:lnRef idx="2">
+            <a:schemeClr val="accent1">
+              <a:shade val="15000"/>
+            </a:schemeClr>
+          </a:lnRef>
+          <a:fillRef idx="1">
+            <a:schemeClr val="accent1"/>
+          </a:fillRef>
+          <a:effectRef idx="0">
+            <a:schemeClr val="accent1"/>
+          </a:effectRef>
+          <a:fontRef idx="minor">
+            <a:schemeClr val="lt1"/>
+          </a:fontRef>
+        </p:style>
+        <p:txBody>
+          <a:bodyPr rtlCol="0" anchor="ctr"/>
+          <a:lstStyle/>
+          <a:p>
+            <a:pPr algn="ctr"/>
+            <a:r>
+              <a:rPr lang="en-US" altLang="ko-KR" sz="1000" dirty="0"/>
+              <a:t>40MHz</a:t>
+            </a:r>
+            <a:endParaRPr lang="ko-KR" altLang="en-US" sz="1000" dirty="0"/>
+          </a:p>
+        </p:txBody>
+      </p:sp>
+      <p:sp>
+        <p:nvSpPr>
+          <p:cNvPr id="4" name="직사각형 3">
+            <a:extLst>
+              <a:ext uri="{FF2B5EF4-FFF2-40B4-BE49-F238E27FC236}">
+                <a16:creationId xmlns:a16="http://schemas.microsoft.com/office/drawing/2014/main" id="{0D9FAA1B-8EFA-ED41-BD1D-B8A651739A52}"/>
+              </a:ext>
+            </a:extLst>
+          </p:cNvPr>
+          <p:cNvSpPr/>
+          <p:nvPr/>
+        </p:nvSpPr>
+        <p:spPr>
+          <a:xfrm>
+            <a:off x="3879269" y="895925"/>
+            <a:ext cx="1256145" cy="286328"/>
+          </a:xfrm>
+          <a:prstGeom prst="rect">
+            <a:avLst/>
+          </a:prstGeom>
+        </p:spPr>
+        <p:style>
+          <a:lnRef idx="2">
+            <a:schemeClr val="accent1">
+              <a:shade val="15000"/>
+            </a:schemeClr>
+          </a:lnRef>
+          <a:fillRef idx="1">
+            <a:schemeClr val="accent1"/>
+          </a:fillRef>
+          <a:effectRef idx="0">
+            <a:schemeClr val="accent1"/>
+          </a:effectRef>
+          <a:fontRef idx="minor">
+            <a:schemeClr val="lt1"/>
+          </a:fontRef>
+        </p:style>
+        <p:txBody>
+          <a:bodyPr rtlCol="0" anchor="ctr"/>
+          <a:lstStyle/>
+          <a:p>
+            <a:pPr algn="ctr"/>
+            <a:r>
+              <a:rPr lang="en-US" altLang="ko-KR" sz="1000" dirty="0"/>
+              <a:t>40MHz</a:t>
+            </a:r>
+            <a:endParaRPr lang="ko-KR" altLang="en-US" sz="1000" dirty="0"/>
+          </a:p>
+        </p:txBody>
+      </p:sp>
+      <p:sp>
+        <p:nvSpPr>
+          <p:cNvPr id="5" name="직사각형 4">
+            <a:extLst>
+              <a:ext uri="{FF2B5EF4-FFF2-40B4-BE49-F238E27FC236}">
+                <a16:creationId xmlns:a16="http://schemas.microsoft.com/office/drawing/2014/main" id="{4E16D556-CCE2-8BF4-B149-7DBC9ECF55BD}"/>
+              </a:ext>
+            </a:extLst>
+          </p:cNvPr>
+          <p:cNvSpPr/>
+          <p:nvPr/>
+        </p:nvSpPr>
+        <p:spPr>
+          <a:xfrm>
+            <a:off x="7892478" y="895927"/>
+            <a:ext cx="1505527" cy="286328"/>
+          </a:xfrm>
+          <a:prstGeom prst="rect">
+            <a:avLst/>
+          </a:prstGeom>
+          <a:solidFill>
+            <a:schemeClr val="accent4">
+              <a:lumMod val="75000"/>
+            </a:schemeClr>
+          </a:solidFill>
+        </p:spPr>
+        <p:style>
+          <a:lnRef idx="2">
+            <a:schemeClr val="accent1">
+              <a:shade val="15000"/>
+            </a:schemeClr>
+          </a:lnRef>
+          <a:fillRef idx="1">
+            <a:schemeClr val="accent1"/>
+          </a:fillRef>
+          <a:effectRef idx="0">
+            <a:schemeClr val="accent1"/>
+          </a:effectRef>
+          <a:fontRef idx="minor">
+            <a:schemeClr val="lt1"/>
+          </a:fontRef>
+        </p:style>
+        <p:txBody>
+          <a:bodyPr rtlCol="0" anchor="ctr"/>
+          <a:lstStyle/>
+          <a:p>
+            <a:pPr algn="ctr"/>
+            <a:r>
+              <a:rPr lang="en-US" altLang="ko-KR" sz="1000" dirty="0"/>
+              <a:t>50MHz</a:t>
+            </a:r>
+            <a:endParaRPr lang="ko-KR" altLang="en-US" sz="1000" dirty="0"/>
+          </a:p>
+        </p:txBody>
+      </p:sp>
+      <p:sp>
+        <p:nvSpPr>
+          <p:cNvPr id="7" name="직사각형 6">
+            <a:extLst>
+              <a:ext uri="{FF2B5EF4-FFF2-40B4-BE49-F238E27FC236}">
+                <a16:creationId xmlns:a16="http://schemas.microsoft.com/office/drawing/2014/main" id="{7766047B-CF8F-97ED-9FCB-861B0808E7DB}"/>
+              </a:ext>
+            </a:extLst>
+          </p:cNvPr>
+          <p:cNvSpPr/>
+          <p:nvPr/>
+        </p:nvSpPr>
+        <p:spPr>
+          <a:xfrm>
+            <a:off x="9411858" y="895927"/>
+            <a:ext cx="1505527" cy="286328"/>
+          </a:xfrm>
+          <a:prstGeom prst="rect">
+            <a:avLst/>
+          </a:prstGeom>
+          <a:solidFill>
+            <a:schemeClr val="accent4">
+              <a:lumMod val="75000"/>
+            </a:schemeClr>
+          </a:solidFill>
+        </p:spPr>
+        <p:style>
+          <a:lnRef idx="2">
+            <a:schemeClr val="accent1">
+              <a:shade val="15000"/>
+            </a:schemeClr>
+          </a:lnRef>
+          <a:fillRef idx="1">
+            <a:schemeClr val="accent1"/>
+          </a:fillRef>
+          <a:effectRef idx="0">
+            <a:schemeClr val="accent1"/>
+          </a:effectRef>
+          <a:fontRef idx="minor">
+            <a:schemeClr val="lt1"/>
+          </a:fontRef>
+        </p:style>
+        <p:txBody>
+          <a:bodyPr rtlCol="0" anchor="ctr"/>
+          <a:lstStyle/>
+          <a:p>
+            <a:pPr algn="ctr"/>
+            <a:r>
+              <a:rPr lang="en-US" altLang="ko-KR" sz="1000" dirty="0"/>
+              <a:t>50MHz</a:t>
+            </a:r>
+            <a:endParaRPr lang="ko-KR" altLang="en-US" sz="1000" dirty="0"/>
+          </a:p>
+        </p:txBody>
+      </p:sp>
+      <p:sp>
+        <p:nvSpPr>
+          <p:cNvPr id="8" name="TextBox 7">
+            <a:extLst>
+              <a:ext uri="{FF2B5EF4-FFF2-40B4-BE49-F238E27FC236}">
+                <a16:creationId xmlns:a16="http://schemas.microsoft.com/office/drawing/2014/main" id="{7C7ED15E-5742-A55F-A814-5934241D71CD}"/>
+              </a:ext>
+            </a:extLst>
+          </p:cNvPr>
+          <p:cNvSpPr txBox="1"/>
+          <p:nvPr/>
+        </p:nvSpPr>
+        <p:spPr>
+          <a:xfrm>
+            <a:off x="2235195" y="618833"/>
+            <a:ext cx="775855" cy="246221"/>
+          </a:xfrm>
+          <a:prstGeom prst="rect">
+            <a:avLst/>
+          </a:prstGeom>
+          <a:noFill/>
+        </p:spPr>
+        <p:txBody>
+          <a:bodyPr wrap="square" rtlCol="0">
+            <a:spAutoFit/>
+          </a:bodyPr>
+          <a:lstStyle/>
+          <a:p>
+            <a:pPr algn="ctr"/>
+            <a:r>
+              <a:rPr lang="en-US" altLang="ko-KR" sz="1000" dirty="0"/>
+              <a:t>3440</a:t>
+            </a:r>
+            <a:endParaRPr lang="ko-KR" altLang="en-US" sz="1000" dirty="0"/>
+          </a:p>
+        </p:txBody>
+      </p:sp>
+      <p:sp>
+        <p:nvSpPr>
+          <p:cNvPr id="9" name="TextBox 8">
+            <a:extLst>
+              <a:ext uri="{FF2B5EF4-FFF2-40B4-BE49-F238E27FC236}">
+                <a16:creationId xmlns:a16="http://schemas.microsoft.com/office/drawing/2014/main" id="{3E68F47B-6D69-6B3F-4CC4-CCD1B52B4F40}"/>
+              </a:ext>
+            </a:extLst>
+          </p:cNvPr>
+          <p:cNvSpPr txBox="1"/>
+          <p:nvPr/>
+        </p:nvSpPr>
+        <p:spPr>
+          <a:xfrm>
+            <a:off x="3491341" y="618833"/>
+            <a:ext cx="775855" cy="246221"/>
+          </a:xfrm>
+          <a:prstGeom prst="rect">
+            <a:avLst/>
+          </a:prstGeom>
+          <a:noFill/>
+        </p:spPr>
+        <p:txBody>
+          <a:bodyPr wrap="square" rtlCol="0">
+            <a:spAutoFit/>
+          </a:bodyPr>
+          <a:lstStyle/>
+          <a:p>
+            <a:pPr algn="ctr"/>
+            <a:r>
+              <a:rPr lang="en-US" altLang="ko-KR" sz="1000" dirty="0"/>
+              <a:t>3480</a:t>
+            </a:r>
+            <a:endParaRPr lang="ko-KR" altLang="en-US" sz="1000" dirty="0"/>
+          </a:p>
+        </p:txBody>
+      </p:sp>
+      <p:sp>
+        <p:nvSpPr>
+          <p:cNvPr id="10" name="TextBox 9">
+            <a:extLst>
+              <a:ext uri="{FF2B5EF4-FFF2-40B4-BE49-F238E27FC236}">
+                <a16:creationId xmlns:a16="http://schemas.microsoft.com/office/drawing/2014/main" id="{54A89D2D-8F36-7EFF-49C7-D3BB37FAD284}"/>
+              </a:ext>
+            </a:extLst>
+          </p:cNvPr>
+          <p:cNvSpPr txBox="1"/>
+          <p:nvPr/>
+        </p:nvSpPr>
+        <p:spPr>
+          <a:xfrm>
+            <a:off x="4747487" y="612758"/>
+            <a:ext cx="775855" cy="246221"/>
+          </a:xfrm>
+          <a:prstGeom prst="rect">
+            <a:avLst/>
+          </a:prstGeom>
+          <a:noFill/>
+        </p:spPr>
+        <p:txBody>
+          <a:bodyPr wrap="square" rtlCol="0">
+            <a:spAutoFit/>
+          </a:bodyPr>
+          <a:lstStyle/>
+          <a:p>
+            <a:pPr algn="ctr"/>
+            <a:r>
+              <a:rPr lang="en-US" altLang="ko-KR" sz="1000" dirty="0"/>
+              <a:t>3520</a:t>
+            </a:r>
+            <a:endParaRPr lang="ko-KR" altLang="en-US" sz="1000" dirty="0"/>
+          </a:p>
+        </p:txBody>
+      </p:sp>
+      <p:sp>
+        <p:nvSpPr>
+          <p:cNvPr id="11" name="TextBox 10">
+            <a:extLst>
+              <a:ext uri="{FF2B5EF4-FFF2-40B4-BE49-F238E27FC236}">
+                <a16:creationId xmlns:a16="http://schemas.microsoft.com/office/drawing/2014/main" id="{598B8B92-80AD-DB7E-F49C-9AC602E7AC90}"/>
+              </a:ext>
+            </a:extLst>
+          </p:cNvPr>
+          <p:cNvSpPr txBox="1"/>
+          <p:nvPr/>
+        </p:nvSpPr>
+        <p:spPr>
+          <a:xfrm>
+            <a:off x="7504550" y="612760"/>
+            <a:ext cx="775855" cy="246221"/>
+          </a:xfrm>
+          <a:prstGeom prst="rect">
+            <a:avLst/>
+          </a:prstGeom>
+          <a:noFill/>
+        </p:spPr>
+        <p:txBody>
+          <a:bodyPr wrap="square" rtlCol="0">
+            <a:spAutoFit/>
+          </a:bodyPr>
+          <a:lstStyle/>
+          <a:p>
+            <a:pPr algn="ctr"/>
+            <a:r>
+              <a:rPr lang="en-US" altLang="ko-KR" sz="1000" dirty="0"/>
+              <a:t>3600.010</a:t>
+            </a:r>
+            <a:endParaRPr lang="ko-KR" altLang="en-US" sz="1000" dirty="0"/>
+          </a:p>
+        </p:txBody>
+      </p:sp>
+      <p:sp>
+        <p:nvSpPr>
+          <p:cNvPr id="12" name="TextBox 11">
+            <a:extLst>
+              <a:ext uri="{FF2B5EF4-FFF2-40B4-BE49-F238E27FC236}">
+                <a16:creationId xmlns:a16="http://schemas.microsoft.com/office/drawing/2014/main" id="{AE5C15D2-9A72-D091-062D-D8AEF21D51E7}"/>
+              </a:ext>
+            </a:extLst>
+          </p:cNvPr>
+          <p:cNvSpPr txBox="1"/>
+          <p:nvPr/>
+        </p:nvSpPr>
+        <p:spPr>
+          <a:xfrm>
+            <a:off x="9010077" y="612759"/>
+            <a:ext cx="775855" cy="246221"/>
+          </a:xfrm>
+          <a:prstGeom prst="rect">
+            <a:avLst/>
+          </a:prstGeom>
+          <a:noFill/>
+        </p:spPr>
+        <p:txBody>
+          <a:bodyPr wrap="square" rtlCol="0">
+            <a:spAutoFit/>
+          </a:bodyPr>
+          <a:lstStyle/>
+          <a:p>
+            <a:pPr algn="ctr"/>
+            <a:r>
+              <a:rPr lang="en-US" altLang="ko-KR" sz="1000" dirty="0"/>
+              <a:t>3650.010</a:t>
+            </a:r>
+            <a:endParaRPr lang="ko-KR" altLang="en-US" sz="1000" dirty="0"/>
+          </a:p>
+        </p:txBody>
+      </p:sp>
+      <p:sp>
+        <p:nvSpPr>
+          <p:cNvPr id="13" name="TextBox 12">
+            <a:extLst>
+              <a:ext uri="{FF2B5EF4-FFF2-40B4-BE49-F238E27FC236}">
+                <a16:creationId xmlns:a16="http://schemas.microsoft.com/office/drawing/2014/main" id="{DB7D51E9-D56D-598D-6B8B-882F0E768850}"/>
+              </a:ext>
+            </a:extLst>
+          </p:cNvPr>
+          <p:cNvSpPr txBox="1"/>
+          <p:nvPr/>
+        </p:nvSpPr>
+        <p:spPr>
+          <a:xfrm>
+            <a:off x="10529457" y="612758"/>
+            <a:ext cx="775855" cy="246221"/>
+          </a:xfrm>
+          <a:prstGeom prst="rect">
+            <a:avLst/>
+          </a:prstGeom>
+          <a:noFill/>
+        </p:spPr>
+        <p:txBody>
+          <a:bodyPr wrap="square" rtlCol="0">
+            <a:spAutoFit/>
+          </a:bodyPr>
+          <a:lstStyle/>
+          <a:p>
+            <a:pPr algn="ctr"/>
+            <a:r>
+              <a:rPr lang="en-US" altLang="ko-KR" sz="1000" dirty="0"/>
+              <a:t>3700.010</a:t>
+            </a:r>
+            <a:endParaRPr lang="ko-KR" altLang="en-US" sz="1000" dirty="0"/>
+          </a:p>
+        </p:txBody>
+      </p:sp>
+      <p:sp>
+        <p:nvSpPr>
+          <p:cNvPr id="14" name="TextBox 13">
+            <a:extLst>
+              <a:ext uri="{FF2B5EF4-FFF2-40B4-BE49-F238E27FC236}">
+                <a16:creationId xmlns:a16="http://schemas.microsoft.com/office/drawing/2014/main" id="{98AB19FA-F14B-EAA0-A3C4-B8CB0377942B}"/>
+              </a:ext>
+            </a:extLst>
+          </p:cNvPr>
+          <p:cNvSpPr txBox="1"/>
+          <p:nvPr/>
+        </p:nvSpPr>
+        <p:spPr>
+          <a:xfrm>
+            <a:off x="323273" y="858979"/>
+            <a:ext cx="1043706" cy="369332"/>
+          </a:xfrm>
+          <a:prstGeom prst="rect">
+            <a:avLst/>
+          </a:prstGeom>
+          <a:noFill/>
+        </p:spPr>
+        <p:txBody>
+          <a:bodyPr wrap="square" rtlCol="0">
+            <a:spAutoFit/>
+          </a:bodyPr>
+          <a:lstStyle/>
+          <a:p>
+            <a:pPr algn="ctr"/>
+            <a:r>
+              <a:rPr lang="en-US" altLang="ko-KR" dirty="0"/>
+              <a:t>1CC</a:t>
+            </a:r>
+            <a:endParaRPr lang="ko-KR" altLang="en-US" dirty="0"/>
+          </a:p>
+        </p:txBody>
+      </p:sp>
+      <p:sp>
+        <p:nvSpPr>
+          <p:cNvPr id="15" name="TextBox 14">
+            <a:extLst>
+              <a:ext uri="{FF2B5EF4-FFF2-40B4-BE49-F238E27FC236}">
+                <a16:creationId xmlns:a16="http://schemas.microsoft.com/office/drawing/2014/main" id="{F0917A80-1D87-8165-1029-0C0558180FD6}"/>
+              </a:ext>
+            </a:extLst>
+          </p:cNvPr>
+          <p:cNvSpPr txBox="1"/>
+          <p:nvPr/>
+        </p:nvSpPr>
+        <p:spPr>
+          <a:xfrm>
+            <a:off x="6012882" y="858979"/>
+            <a:ext cx="1043706" cy="369332"/>
+          </a:xfrm>
+          <a:prstGeom prst="rect">
+            <a:avLst/>
+          </a:prstGeom>
+          <a:noFill/>
+        </p:spPr>
+        <p:txBody>
+          <a:bodyPr wrap="square" rtlCol="0">
+            <a:spAutoFit/>
+          </a:bodyPr>
+          <a:lstStyle/>
+          <a:p>
+            <a:pPr algn="ctr"/>
+            <a:r>
+              <a:rPr lang="en-US" altLang="ko-KR" dirty="0"/>
+              <a:t>or</a:t>
+            </a:r>
+            <a:endParaRPr lang="ko-KR" altLang="en-US" dirty="0"/>
+          </a:p>
+        </p:txBody>
+      </p:sp>
+      <p:sp>
+        <p:nvSpPr>
+          <p:cNvPr id="16" name="직사각형 15">
+            <a:extLst>
+              <a:ext uri="{FF2B5EF4-FFF2-40B4-BE49-F238E27FC236}">
+                <a16:creationId xmlns:a16="http://schemas.microsoft.com/office/drawing/2014/main" id="{E586C49A-6C44-D79C-05FB-D8DEC0F2DA89}"/>
+              </a:ext>
+            </a:extLst>
+          </p:cNvPr>
+          <p:cNvSpPr/>
+          <p:nvPr/>
+        </p:nvSpPr>
+        <p:spPr>
+          <a:xfrm>
+            <a:off x="2623124" y="3281280"/>
+            <a:ext cx="1256145" cy="286328"/>
+          </a:xfrm>
+          <a:prstGeom prst="rect">
+            <a:avLst/>
+          </a:prstGeom>
+        </p:spPr>
+        <p:style>
+          <a:lnRef idx="2">
+            <a:schemeClr val="accent1">
+              <a:shade val="15000"/>
+            </a:schemeClr>
+          </a:lnRef>
+          <a:fillRef idx="1">
+            <a:schemeClr val="accent1"/>
+          </a:fillRef>
+          <a:effectRef idx="0">
+            <a:schemeClr val="accent1"/>
+          </a:effectRef>
+          <a:fontRef idx="minor">
+            <a:schemeClr val="lt1"/>
+          </a:fontRef>
+        </p:style>
+        <p:txBody>
+          <a:bodyPr rtlCol="0" anchor="ctr"/>
+          <a:lstStyle/>
+          <a:p>
+            <a:pPr algn="ctr"/>
+            <a:r>
+              <a:rPr lang="en-US" altLang="ko-KR" sz="1000" dirty="0"/>
+              <a:t>40MHz</a:t>
+            </a:r>
+            <a:endParaRPr lang="ko-KR" altLang="en-US" sz="1000" dirty="0"/>
+          </a:p>
+        </p:txBody>
+      </p:sp>
+      <p:sp>
+        <p:nvSpPr>
+          <p:cNvPr id="17" name="직사각형 16">
+            <a:extLst>
+              <a:ext uri="{FF2B5EF4-FFF2-40B4-BE49-F238E27FC236}">
+                <a16:creationId xmlns:a16="http://schemas.microsoft.com/office/drawing/2014/main" id="{E689BB28-3150-6AFE-0DB7-64CCCED4CF98}"/>
+              </a:ext>
+            </a:extLst>
+          </p:cNvPr>
+          <p:cNvSpPr/>
+          <p:nvPr/>
+        </p:nvSpPr>
+        <p:spPr>
+          <a:xfrm>
+            <a:off x="3879269" y="3281280"/>
+            <a:ext cx="1256145" cy="286328"/>
+          </a:xfrm>
+          <a:prstGeom prst="rect">
+            <a:avLst/>
+          </a:prstGeom>
+        </p:spPr>
+        <p:style>
+          <a:lnRef idx="2">
+            <a:schemeClr val="accent1">
+              <a:shade val="15000"/>
+            </a:schemeClr>
+          </a:lnRef>
+          <a:fillRef idx="1">
+            <a:schemeClr val="accent1"/>
+          </a:fillRef>
+          <a:effectRef idx="0">
+            <a:schemeClr val="accent1"/>
+          </a:effectRef>
+          <a:fontRef idx="minor">
+            <a:schemeClr val="lt1"/>
+          </a:fontRef>
+        </p:style>
+        <p:txBody>
+          <a:bodyPr rtlCol="0" anchor="ctr"/>
+          <a:lstStyle/>
+          <a:p>
+            <a:pPr algn="ctr"/>
+            <a:r>
+              <a:rPr lang="en-US" altLang="ko-KR" sz="1000" dirty="0"/>
+              <a:t>40MHz</a:t>
+            </a:r>
+            <a:endParaRPr lang="ko-KR" altLang="en-US" sz="1000" dirty="0"/>
+          </a:p>
+        </p:txBody>
+      </p:sp>
+      <p:sp>
+        <p:nvSpPr>
+          <p:cNvPr id="18" name="직사각형 17">
+            <a:extLst>
+              <a:ext uri="{FF2B5EF4-FFF2-40B4-BE49-F238E27FC236}">
+                <a16:creationId xmlns:a16="http://schemas.microsoft.com/office/drawing/2014/main" id="{8D507725-F7FF-88B8-D11E-7DAAC9CA127F}"/>
+              </a:ext>
+            </a:extLst>
+          </p:cNvPr>
+          <p:cNvSpPr/>
+          <p:nvPr/>
+        </p:nvSpPr>
+        <p:spPr>
+          <a:xfrm>
+            <a:off x="7153567" y="3281282"/>
+            <a:ext cx="1505527" cy="286328"/>
+          </a:xfrm>
+          <a:prstGeom prst="rect">
+            <a:avLst/>
+          </a:prstGeom>
+          <a:solidFill>
+            <a:schemeClr val="accent4">
+              <a:lumMod val="75000"/>
+            </a:schemeClr>
+          </a:solidFill>
+        </p:spPr>
+        <p:style>
+          <a:lnRef idx="2">
+            <a:schemeClr val="accent1">
+              <a:shade val="15000"/>
+            </a:schemeClr>
+          </a:lnRef>
+          <a:fillRef idx="1">
+            <a:schemeClr val="accent1"/>
+          </a:fillRef>
+          <a:effectRef idx="0">
+            <a:schemeClr val="accent1"/>
+          </a:effectRef>
+          <a:fontRef idx="minor">
+            <a:schemeClr val="lt1"/>
+          </a:fontRef>
+        </p:style>
+        <p:txBody>
+          <a:bodyPr rtlCol="0" anchor="ctr"/>
+          <a:lstStyle/>
+          <a:p>
+            <a:pPr algn="ctr"/>
+            <a:r>
+              <a:rPr lang="en-US" altLang="ko-KR" sz="1000" dirty="0"/>
+              <a:t>50MHz</a:t>
+            </a:r>
+            <a:endParaRPr lang="ko-KR" altLang="en-US" sz="1000" dirty="0"/>
+          </a:p>
+        </p:txBody>
+      </p:sp>
+      <p:sp>
+        <p:nvSpPr>
+          <p:cNvPr id="19" name="직사각형 18">
+            <a:extLst>
+              <a:ext uri="{FF2B5EF4-FFF2-40B4-BE49-F238E27FC236}">
+                <a16:creationId xmlns:a16="http://schemas.microsoft.com/office/drawing/2014/main" id="{4EBCFF4B-CFA2-25B2-8668-C83F4EDBF7A4}"/>
+              </a:ext>
+            </a:extLst>
+          </p:cNvPr>
+          <p:cNvSpPr/>
+          <p:nvPr/>
+        </p:nvSpPr>
+        <p:spPr>
+          <a:xfrm>
+            <a:off x="8672947" y="3281282"/>
+            <a:ext cx="1505527" cy="286328"/>
+          </a:xfrm>
+          <a:prstGeom prst="rect">
+            <a:avLst/>
+          </a:prstGeom>
+          <a:solidFill>
+            <a:schemeClr val="accent4">
+              <a:lumMod val="75000"/>
+            </a:schemeClr>
+          </a:solidFill>
+        </p:spPr>
+        <p:style>
+          <a:lnRef idx="2">
+            <a:schemeClr val="accent1">
+              <a:shade val="15000"/>
+            </a:schemeClr>
+          </a:lnRef>
+          <a:fillRef idx="1">
+            <a:schemeClr val="accent1"/>
+          </a:fillRef>
+          <a:effectRef idx="0">
+            <a:schemeClr val="accent1"/>
+          </a:effectRef>
+          <a:fontRef idx="minor">
+            <a:schemeClr val="lt1"/>
+          </a:fontRef>
+        </p:style>
+        <p:txBody>
+          <a:bodyPr rtlCol="0" anchor="ctr"/>
+          <a:lstStyle/>
+          <a:p>
+            <a:pPr algn="ctr"/>
+            <a:r>
+              <a:rPr lang="en-US" altLang="ko-KR" sz="1000" dirty="0"/>
+              <a:t>50MHz</a:t>
+            </a:r>
+            <a:endParaRPr lang="ko-KR" altLang="en-US" sz="1000" dirty="0"/>
+          </a:p>
+        </p:txBody>
+      </p:sp>
+      <p:sp>
+        <p:nvSpPr>
+          <p:cNvPr id="20" name="TextBox 19">
+            <a:extLst>
+              <a:ext uri="{FF2B5EF4-FFF2-40B4-BE49-F238E27FC236}">
+                <a16:creationId xmlns:a16="http://schemas.microsoft.com/office/drawing/2014/main" id="{9A63AD74-1509-19FE-062D-B63708708956}"/>
+              </a:ext>
+            </a:extLst>
+          </p:cNvPr>
+          <p:cNvSpPr txBox="1"/>
+          <p:nvPr/>
+        </p:nvSpPr>
+        <p:spPr>
+          <a:xfrm>
+            <a:off x="2235195" y="3004188"/>
+            <a:ext cx="775855" cy="246221"/>
+          </a:xfrm>
+          <a:prstGeom prst="rect">
+            <a:avLst/>
+          </a:prstGeom>
+          <a:noFill/>
+        </p:spPr>
+        <p:txBody>
+          <a:bodyPr wrap="square" rtlCol="0">
+            <a:spAutoFit/>
+          </a:bodyPr>
+          <a:lstStyle/>
+          <a:p>
+            <a:pPr algn="ctr"/>
+            <a:r>
+              <a:rPr lang="en-US" altLang="ko-KR" sz="1000" dirty="0"/>
+              <a:t>3440</a:t>
+            </a:r>
+            <a:endParaRPr lang="ko-KR" altLang="en-US" sz="1000" dirty="0"/>
+          </a:p>
+        </p:txBody>
+      </p:sp>
+      <p:sp>
+        <p:nvSpPr>
+          <p:cNvPr id="21" name="TextBox 20">
+            <a:extLst>
+              <a:ext uri="{FF2B5EF4-FFF2-40B4-BE49-F238E27FC236}">
+                <a16:creationId xmlns:a16="http://schemas.microsoft.com/office/drawing/2014/main" id="{58BFCB85-D67D-4D23-E3E6-47E9264E705F}"/>
+              </a:ext>
+            </a:extLst>
+          </p:cNvPr>
+          <p:cNvSpPr txBox="1"/>
+          <p:nvPr/>
+        </p:nvSpPr>
+        <p:spPr>
+          <a:xfrm>
+            <a:off x="3491341" y="3004188"/>
+            <a:ext cx="775855" cy="246221"/>
+          </a:xfrm>
+          <a:prstGeom prst="rect">
+            <a:avLst/>
+          </a:prstGeom>
+          <a:noFill/>
+        </p:spPr>
+        <p:txBody>
+          <a:bodyPr wrap="square" rtlCol="0">
+            <a:spAutoFit/>
+          </a:bodyPr>
+          <a:lstStyle/>
+          <a:p>
+            <a:pPr algn="ctr"/>
+            <a:r>
+              <a:rPr lang="en-US" altLang="ko-KR" sz="1000" dirty="0"/>
+              <a:t>3480</a:t>
+            </a:r>
+            <a:endParaRPr lang="ko-KR" altLang="en-US" sz="1000" dirty="0"/>
+          </a:p>
+        </p:txBody>
+      </p:sp>
+      <p:sp>
+        <p:nvSpPr>
+          <p:cNvPr id="22" name="TextBox 21">
+            <a:extLst>
+              <a:ext uri="{FF2B5EF4-FFF2-40B4-BE49-F238E27FC236}">
+                <a16:creationId xmlns:a16="http://schemas.microsoft.com/office/drawing/2014/main" id="{D38F6820-861C-3C5E-E459-77217B634594}"/>
+              </a:ext>
+            </a:extLst>
+          </p:cNvPr>
+          <p:cNvSpPr txBox="1"/>
+          <p:nvPr/>
+        </p:nvSpPr>
+        <p:spPr>
+          <a:xfrm>
+            <a:off x="4747487" y="2998113"/>
+            <a:ext cx="775855" cy="246221"/>
+          </a:xfrm>
+          <a:prstGeom prst="rect">
+            <a:avLst/>
+          </a:prstGeom>
+          <a:noFill/>
+        </p:spPr>
+        <p:txBody>
+          <a:bodyPr wrap="square" rtlCol="0">
+            <a:spAutoFit/>
+          </a:bodyPr>
+          <a:lstStyle/>
+          <a:p>
+            <a:pPr algn="ctr"/>
+            <a:r>
+              <a:rPr lang="en-US" altLang="ko-KR" sz="1000" dirty="0"/>
+              <a:t>3520</a:t>
+            </a:r>
+            <a:endParaRPr lang="ko-KR" altLang="en-US" sz="1000" dirty="0"/>
+          </a:p>
+        </p:txBody>
+      </p:sp>
+      <p:sp>
+        <p:nvSpPr>
+          <p:cNvPr id="23" name="TextBox 22">
+            <a:extLst>
+              <a:ext uri="{FF2B5EF4-FFF2-40B4-BE49-F238E27FC236}">
+                <a16:creationId xmlns:a16="http://schemas.microsoft.com/office/drawing/2014/main" id="{8B9E0C38-D675-7F61-31A2-B5D003E0519E}"/>
+              </a:ext>
+            </a:extLst>
+          </p:cNvPr>
+          <p:cNvSpPr txBox="1"/>
+          <p:nvPr/>
+        </p:nvSpPr>
+        <p:spPr>
+          <a:xfrm>
+            <a:off x="6765639" y="2998115"/>
+            <a:ext cx="775855" cy="246221"/>
+          </a:xfrm>
+          <a:prstGeom prst="rect">
+            <a:avLst/>
+          </a:prstGeom>
+          <a:noFill/>
+        </p:spPr>
+        <p:txBody>
+          <a:bodyPr wrap="square" rtlCol="0">
+            <a:spAutoFit/>
+          </a:bodyPr>
+          <a:lstStyle/>
+          <a:p>
+            <a:pPr algn="ctr"/>
+            <a:r>
+              <a:rPr lang="en-US" altLang="ko-KR" sz="1000" dirty="0"/>
+              <a:t>3600.010</a:t>
+            </a:r>
+            <a:endParaRPr lang="ko-KR" altLang="en-US" sz="1000" dirty="0"/>
+          </a:p>
+        </p:txBody>
+      </p:sp>
+      <p:sp>
+        <p:nvSpPr>
+          <p:cNvPr id="24" name="TextBox 23">
+            <a:extLst>
+              <a:ext uri="{FF2B5EF4-FFF2-40B4-BE49-F238E27FC236}">
+                <a16:creationId xmlns:a16="http://schemas.microsoft.com/office/drawing/2014/main" id="{CB01B405-32D8-AB1A-0383-2F2E67453B29}"/>
+              </a:ext>
+            </a:extLst>
+          </p:cNvPr>
+          <p:cNvSpPr txBox="1"/>
+          <p:nvPr/>
+        </p:nvSpPr>
+        <p:spPr>
+          <a:xfrm>
+            <a:off x="8271166" y="2998114"/>
+            <a:ext cx="775855" cy="246221"/>
+          </a:xfrm>
+          <a:prstGeom prst="rect">
+            <a:avLst/>
+          </a:prstGeom>
+          <a:noFill/>
+        </p:spPr>
+        <p:txBody>
+          <a:bodyPr wrap="square" rtlCol="0">
+            <a:spAutoFit/>
+          </a:bodyPr>
+          <a:lstStyle/>
+          <a:p>
+            <a:pPr algn="ctr"/>
+            <a:r>
+              <a:rPr lang="en-US" altLang="ko-KR" sz="1000" dirty="0"/>
+              <a:t>3650.010</a:t>
+            </a:r>
+            <a:endParaRPr lang="ko-KR" altLang="en-US" sz="1000" dirty="0"/>
+          </a:p>
+        </p:txBody>
+      </p:sp>
+      <p:sp>
+        <p:nvSpPr>
+          <p:cNvPr id="25" name="TextBox 24">
+            <a:extLst>
+              <a:ext uri="{FF2B5EF4-FFF2-40B4-BE49-F238E27FC236}">
+                <a16:creationId xmlns:a16="http://schemas.microsoft.com/office/drawing/2014/main" id="{FFB824D6-834F-767A-A1D0-519E3C681C48}"/>
+              </a:ext>
+            </a:extLst>
+          </p:cNvPr>
+          <p:cNvSpPr txBox="1"/>
+          <p:nvPr/>
+        </p:nvSpPr>
+        <p:spPr>
+          <a:xfrm>
+            <a:off x="9790546" y="2998113"/>
+            <a:ext cx="775855" cy="246221"/>
+          </a:xfrm>
+          <a:prstGeom prst="rect">
+            <a:avLst/>
+          </a:prstGeom>
+          <a:noFill/>
+        </p:spPr>
+        <p:txBody>
+          <a:bodyPr wrap="square" rtlCol="0">
+            <a:spAutoFit/>
+          </a:bodyPr>
+          <a:lstStyle/>
+          <a:p>
+            <a:pPr algn="ctr"/>
+            <a:r>
+              <a:rPr lang="en-US" altLang="ko-KR" sz="1000" dirty="0"/>
+              <a:t>3700.010</a:t>
+            </a:r>
+            <a:endParaRPr lang="ko-KR" altLang="en-US" sz="1000" dirty="0"/>
+          </a:p>
+        </p:txBody>
+      </p:sp>
+      <p:sp>
+        <p:nvSpPr>
+          <p:cNvPr id="26" name="TextBox 25">
+            <a:extLst>
+              <a:ext uri="{FF2B5EF4-FFF2-40B4-BE49-F238E27FC236}">
+                <a16:creationId xmlns:a16="http://schemas.microsoft.com/office/drawing/2014/main" id="{682ACD25-03DA-C43B-64AE-3F90E7B7B768}"/>
+              </a:ext>
+            </a:extLst>
+          </p:cNvPr>
+          <p:cNvSpPr txBox="1"/>
+          <p:nvPr/>
+        </p:nvSpPr>
+        <p:spPr>
+          <a:xfrm>
+            <a:off x="323273" y="3244334"/>
+            <a:ext cx="1043706" cy="369332"/>
+          </a:xfrm>
+          <a:prstGeom prst="rect">
+            <a:avLst/>
+          </a:prstGeom>
+          <a:noFill/>
+        </p:spPr>
+        <p:txBody>
+          <a:bodyPr wrap="square" rtlCol="0">
+            <a:spAutoFit/>
+          </a:bodyPr>
+          <a:lstStyle/>
+          <a:p>
+            <a:pPr algn="ctr"/>
+            <a:r>
+              <a:rPr lang="en-US" altLang="ko-KR" dirty="0"/>
+              <a:t>2CC</a:t>
+            </a:r>
+            <a:endParaRPr lang="ko-KR" altLang="en-US" dirty="0"/>
+          </a:p>
+        </p:txBody>
+      </p:sp>
+      <p:sp>
+        <p:nvSpPr>
+          <p:cNvPr id="3" name="직사각형 2">
+            <a:extLst>
+              <a:ext uri="{FF2B5EF4-FFF2-40B4-BE49-F238E27FC236}">
+                <a16:creationId xmlns:a16="http://schemas.microsoft.com/office/drawing/2014/main" id="{0CD66E62-2F91-F4B1-77D9-C7696C864FCD}"/>
+              </a:ext>
+            </a:extLst>
+          </p:cNvPr>
+          <p:cNvSpPr/>
+          <p:nvPr/>
+        </p:nvSpPr>
+        <p:spPr>
+          <a:xfrm>
+            <a:off x="2623124" y="3607592"/>
+            <a:ext cx="7555350" cy="286328"/>
+          </a:xfrm>
+          <a:prstGeom prst="rect">
+            <a:avLst/>
+          </a:prstGeom>
+        </p:spPr>
+        <p:style>
+          <a:lnRef idx="2">
+            <a:schemeClr val="accent1">
+              <a:shade val="15000"/>
+            </a:schemeClr>
+          </a:lnRef>
+          <a:fillRef idx="1">
+            <a:schemeClr val="accent1"/>
+          </a:fillRef>
+          <a:effectRef idx="0">
+            <a:schemeClr val="accent1"/>
+          </a:effectRef>
+          <a:fontRef idx="minor">
+            <a:schemeClr val="lt1"/>
+          </a:fontRef>
+        </p:style>
+        <p:txBody>
+          <a:bodyPr rtlCol="0" anchor="ctr"/>
+          <a:lstStyle/>
+          <a:p>
+            <a:pPr algn="ctr"/>
+            <a:r>
+              <a:rPr lang="en-US" altLang="ko-KR" sz="1000" dirty="0"/>
+              <a:t>260.010MHz</a:t>
+            </a:r>
+            <a:endParaRPr lang="ko-KR" altLang="en-US" sz="1000" dirty="0"/>
+          </a:p>
+        </p:txBody>
+      </p:sp>
+      <p:sp>
+        <p:nvSpPr>
+          <p:cNvPr id="6" name="TextBox 5">
+            <a:extLst>
+              <a:ext uri="{FF2B5EF4-FFF2-40B4-BE49-F238E27FC236}">
+                <a16:creationId xmlns:a16="http://schemas.microsoft.com/office/drawing/2014/main" id="{6B5E9FEA-7C13-E867-B297-7AB660A16220}"/>
+              </a:ext>
+            </a:extLst>
+          </p:cNvPr>
+          <p:cNvSpPr txBox="1"/>
+          <p:nvPr/>
+        </p:nvSpPr>
+        <p:spPr>
+          <a:xfrm>
+            <a:off x="604979" y="4667588"/>
+            <a:ext cx="4812142" cy="307777"/>
+          </a:xfrm>
+          <a:prstGeom prst="rect">
+            <a:avLst/>
+          </a:prstGeom>
+          <a:noFill/>
+        </p:spPr>
+        <p:txBody>
+          <a:bodyPr wrap="square" rtlCol="0">
+            <a:spAutoFit/>
+          </a:bodyPr>
+          <a:lstStyle/>
+          <a:p>
+            <a:r>
+              <a:rPr lang="en-US" altLang="ko-KR" sz="1400" dirty="0"/>
+              <a:t>25GE x 2 port used for 2CC case</a:t>
+            </a:r>
+            <a:endParaRPr lang="ko-KR" altLang="en-US" sz="1400" dirty="0"/>
+          </a:p>
+        </p:txBody>
+      </p:sp>
+      <p:sp>
+        <p:nvSpPr>
+          <p:cNvPr id="28" name="TextBox 27">
+            <a:extLst>
+              <a:ext uri="{FF2B5EF4-FFF2-40B4-BE49-F238E27FC236}">
+                <a16:creationId xmlns:a16="http://schemas.microsoft.com/office/drawing/2014/main" id="{FBD20CB7-47A1-F0F1-B1A1-775EA8B24AEC}"/>
+              </a:ext>
+            </a:extLst>
+          </p:cNvPr>
+          <p:cNvSpPr txBox="1"/>
+          <p:nvPr/>
+        </p:nvSpPr>
+        <p:spPr>
+          <a:xfrm>
+            <a:off x="604979" y="4975365"/>
+            <a:ext cx="4812142" cy="307777"/>
+          </a:xfrm>
+          <a:prstGeom prst="rect">
+            <a:avLst/>
+          </a:prstGeom>
+          <a:noFill/>
+        </p:spPr>
+        <p:txBody>
+          <a:bodyPr wrap="square" rtlCol="0">
+            <a:spAutoFit/>
+          </a:bodyPr>
+          <a:lstStyle/>
+          <a:p>
+            <a:r>
+              <a:rPr lang="en-US" altLang="ko-KR" sz="1400" dirty="0"/>
+              <a:t>SFP+(10G), SFP28(25G)</a:t>
+            </a:r>
+            <a:endParaRPr lang="ko-KR" altLang="en-US" sz="1400" dirty="0"/>
+          </a:p>
+        </p:txBody>
+      </p:sp>
     </p:spTree>
     <p:extLst>
       <p:ext uri="{BB962C8B-B14F-4D97-AF65-F5344CB8AC3E}">
-        <p14:creationId xmlns:p14="http://schemas.microsoft.com/office/powerpoint/2010/main" val="1778791099"/>
+        <p14:creationId xmlns:p14="http://schemas.microsoft.com/office/powerpoint/2010/main" val="3306232348"/>
       </p:ext>
     </p:extLst>
   </p:cSld>

--- a/Transfer/draw_temp.pptx
+++ b/Transfer/draw_temp.pptx
@@ -8,11 +8,12 @@
     <p:sldId id="256" r:id="rId2"/>
     <p:sldId id="257" r:id="rId3"/>
     <p:sldId id="258" r:id="rId4"/>
-    <p:sldId id="264" r:id="rId5"/>
-    <p:sldId id="261" r:id="rId6"/>
-    <p:sldId id="262" r:id="rId7"/>
-    <p:sldId id="263" r:id="rId8"/>
-    <p:sldId id="259" r:id="rId9"/>
+    <p:sldId id="265" r:id="rId5"/>
+    <p:sldId id="264" r:id="rId6"/>
+    <p:sldId id="261" r:id="rId7"/>
+    <p:sldId id="262" r:id="rId8"/>
+    <p:sldId id="263" r:id="rId9"/>
+    <p:sldId id="259" r:id="rId10"/>
   </p:sldIdLst>
   <p:sldSz cx="12192000" cy="6858000"/>
   <p:notesSz cx="6858000" cy="9144000"/>
@@ -266,7 +267,7 @@
           <a:p>
             <a:fld id="{BB2C39C5-31A5-4070-AF21-9D0776263D61}" type="datetimeFigureOut">
               <a:rPr lang="ko-KR" altLang="en-US" smtClean="0"/>
-              <a:t>2025-02-06</a:t>
+              <a:t>2025-02-11</a:t>
             </a:fld>
             <a:endParaRPr lang="ko-KR" altLang="en-US"/>
           </a:p>
@@ -464,7 +465,7 @@
           <a:p>
             <a:fld id="{BB2C39C5-31A5-4070-AF21-9D0776263D61}" type="datetimeFigureOut">
               <a:rPr lang="ko-KR" altLang="en-US" smtClean="0"/>
-              <a:t>2025-02-06</a:t>
+              <a:t>2025-02-11</a:t>
             </a:fld>
             <a:endParaRPr lang="ko-KR" altLang="en-US"/>
           </a:p>
@@ -672,7 +673,7 @@
           <a:p>
             <a:fld id="{BB2C39C5-31A5-4070-AF21-9D0776263D61}" type="datetimeFigureOut">
               <a:rPr lang="ko-KR" altLang="en-US" smtClean="0"/>
-              <a:t>2025-02-06</a:t>
+              <a:t>2025-02-11</a:t>
             </a:fld>
             <a:endParaRPr lang="ko-KR" altLang="en-US"/>
           </a:p>
@@ -870,7 +871,7 @@
           <a:p>
             <a:fld id="{BB2C39C5-31A5-4070-AF21-9D0776263D61}" type="datetimeFigureOut">
               <a:rPr lang="ko-KR" altLang="en-US" smtClean="0"/>
-              <a:t>2025-02-06</a:t>
+              <a:t>2025-02-11</a:t>
             </a:fld>
             <a:endParaRPr lang="ko-KR" altLang="en-US"/>
           </a:p>
@@ -1145,7 +1146,7 @@
           <a:p>
             <a:fld id="{BB2C39C5-31A5-4070-AF21-9D0776263D61}" type="datetimeFigureOut">
               <a:rPr lang="ko-KR" altLang="en-US" smtClean="0"/>
-              <a:t>2025-02-06</a:t>
+              <a:t>2025-02-11</a:t>
             </a:fld>
             <a:endParaRPr lang="ko-KR" altLang="en-US"/>
           </a:p>
@@ -1410,7 +1411,7 @@
           <a:p>
             <a:fld id="{BB2C39C5-31A5-4070-AF21-9D0776263D61}" type="datetimeFigureOut">
               <a:rPr lang="ko-KR" altLang="en-US" smtClean="0"/>
-              <a:t>2025-02-06</a:t>
+              <a:t>2025-02-11</a:t>
             </a:fld>
             <a:endParaRPr lang="ko-KR" altLang="en-US"/>
           </a:p>
@@ -1822,7 +1823,7 @@
           <a:p>
             <a:fld id="{BB2C39C5-31A5-4070-AF21-9D0776263D61}" type="datetimeFigureOut">
               <a:rPr lang="ko-KR" altLang="en-US" smtClean="0"/>
-              <a:t>2025-02-06</a:t>
+              <a:t>2025-02-11</a:t>
             </a:fld>
             <a:endParaRPr lang="ko-KR" altLang="en-US"/>
           </a:p>
@@ -1963,7 +1964,7 @@
           <a:p>
             <a:fld id="{BB2C39C5-31A5-4070-AF21-9D0776263D61}" type="datetimeFigureOut">
               <a:rPr lang="ko-KR" altLang="en-US" smtClean="0"/>
-              <a:t>2025-02-06</a:t>
+              <a:t>2025-02-11</a:t>
             </a:fld>
             <a:endParaRPr lang="ko-KR" altLang="en-US"/>
           </a:p>
@@ -2076,7 +2077,7 @@
           <a:p>
             <a:fld id="{BB2C39C5-31A5-4070-AF21-9D0776263D61}" type="datetimeFigureOut">
               <a:rPr lang="ko-KR" altLang="en-US" smtClean="0"/>
-              <a:t>2025-02-06</a:t>
+              <a:t>2025-02-11</a:t>
             </a:fld>
             <a:endParaRPr lang="ko-KR" altLang="en-US"/>
           </a:p>
@@ -2387,7 +2388,7 @@
           <a:p>
             <a:fld id="{BB2C39C5-31A5-4070-AF21-9D0776263D61}" type="datetimeFigureOut">
               <a:rPr lang="ko-KR" altLang="en-US" smtClean="0"/>
-              <a:t>2025-02-06</a:t>
+              <a:t>2025-02-11</a:t>
             </a:fld>
             <a:endParaRPr lang="ko-KR" altLang="en-US"/>
           </a:p>
@@ -2675,7 +2676,7 @@
           <a:p>
             <a:fld id="{BB2C39C5-31A5-4070-AF21-9D0776263D61}" type="datetimeFigureOut">
               <a:rPr lang="ko-KR" altLang="en-US" smtClean="0"/>
-              <a:t>2025-02-06</a:t>
+              <a:t>2025-02-11</a:t>
             </a:fld>
             <a:endParaRPr lang="ko-KR" altLang="en-US"/>
           </a:p>
@@ -2916,7 +2917,7 @@
           <a:p>
             <a:fld id="{BB2C39C5-31A5-4070-AF21-9D0776263D61}" type="datetimeFigureOut">
               <a:rPr lang="ko-KR" altLang="en-US" smtClean="0"/>
-              <a:t>2025-02-06</a:t>
+              <a:t>2025-02-11</a:t>
             </a:fld>
             <a:endParaRPr lang="ko-KR" altLang="en-US"/>
           </a:p>
@@ -6548,6 +6549,538 @@
         <p:cNvPr id="1" name="">
           <a:extLst>
             <a:ext uri="{FF2B5EF4-FFF2-40B4-BE49-F238E27FC236}">
+              <a16:creationId xmlns:a16="http://schemas.microsoft.com/office/drawing/2014/main" id="{45F9B018-5A2F-FF82-9A4A-85DA5E945FB7}"/>
+            </a:ext>
+          </a:extLst>
+        </p:cNvPr>
+        <p:cNvGrpSpPr/>
+        <p:nvPr/>
+      </p:nvGrpSpPr>
+      <p:grpSpPr>
+        <a:xfrm>
+          <a:off x="0" y="0"/>
+          <a:ext cx="0" cy="0"/>
+          <a:chOff x="0" y="0"/>
+          <a:chExt cx="0" cy="0"/>
+        </a:xfrm>
+      </p:grpSpPr>
+      <p:cxnSp>
+        <p:nvCxnSpPr>
+          <p:cNvPr id="16" name="직선 연결선 15">
+            <a:extLst>
+              <a:ext uri="{FF2B5EF4-FFF2-40B4-BE49-F238E27FC236}">
+                <a16:creationId xmlns:a16="http://schemas.microsoft.com/office/drawing/2014/main" id="{C4BE5C43-5471-081D-384A-B1D6DD7AA28A}"/>
+              </a:ext>
+            </a:extLst>
+          </p:cNvPr>
+          <p:cNvCxnSpPr>
+            <a:cxnSpLocks/>
+          </p:cNvCxnSpPr>
+          <p:nvPr/>
+        </p:nvCxnSpPr>
+        <p:spPr>
+          <a:xfrm>
+            <a:off x="2798619" y="1015372"/>
+            <a:ext cx="0" cy="1857137"/>
+          </a:xfrm>
+          <a:prstGeom prst="line">
+            <a:avLst/>
+          </a:prstGeom>
+          <a:ln w="28575">
+            <a:solidFill>
+              <a:schemeClr val="accent2"/>
+            </a:solidFill>
+          </a:ln>
+        </p:spPr>
+        <p:style>
+          <a:lnRef idx="1">
+            <a:schemeClr val="accent1"/>
+          </a:lnRef>
+          <a:fillRef idx="0">
+            <a:schemeClr val="accent1"/>
+          </a:fillRef>
+          <a:effectRef idx="0">
+            <a:schemeClr val="accent1"/>
+          </a:effectRef>
+          <a:fontRef idx="minor">
+            <a:schemeClr val="tx1"/>
+          </a:fontRef>
+        </p:style>
+      </p:cxnSp>
+      <p:cxnSp>
+        <p:nvCxnSpPr>
+          <p:cNvPr id="22" name="직선 연결선 21">
+            <a:extLst>
+              <a:ext uri="{FF2B5EF4-FFF2-40B4-BE49-F238E27FC236}">
+                <a16:creationId xmlns:a16="http://schemas.microsoft.com/office/drawing/2014/main" id="{7FC6EF3A-EE4D-E91A-9DC9-3CC98E20142D}"/>
+              </a:ext>
+            </a:extLst>
+          </p:cNvPr>
+          <p:cNvCxnSpPr>
+            <a:cxnSpLocks/>
+          </p:cNvCxnSpPr>
+          <p:nvPr/>
+        </p:nvCxnSpPr>
+        <p:spPr>
+          <a:xfrm>
+            <a:off x="2798619" y="1449429"/>
+            <a:ext cx="3297381" cy="9242"/>
+          </a:xfrm>
+          <a:prstGeom prst="line">
+            <a:avLst/>
+          </a:prstGeom>
+          <a:ln w="28575">
+            <a:solidFill>
+              <a:schemeClr val="accent1"/>
+            </a:solidFill>
+            <a:prstDash val="sysDash"/>
+            <a:headEnd type="none" w="med" len="med"/>
+            <a:tailEnd type="arrow" w="med" len="med"/>
+          </a:ln>
+        </p:spPr>
+        <p:style>
+          <a:lnRef idx="1">
+            <a:schemeClr val="accent1"/>
+          </a:lnRef>
+          <a:fillRef idx="0">
+            <a:schemeClr val="accent1"/>
+          </a:fillRef>
+          <a:effectRef idx="0">
+            <a:schemeClr val="accent1"/>
+          </a:effectRef>
+          <a:fontRef idx="minor">
+            <a:schemeClr val="tx1"/>
+          </a:fontRef>
+        </p:style>
+      </p:cxnSp>
+      <p:sp>
+        <p:nvSpPr>
+          <p:cNvPr id="26" name="TextBox 25">
+            <a:extLst>
+              <a:ext uri="{FF2B5EF4-FFF2-40B4-BE49-F238E27FC236}">
+                <a16:creationId xmlns:a16="http://schemas.microsoft.com/office/drawing/2014/main" id="{2607884D-3CAD-AE94-39A8-8082088563C6}"/>
+              </a:ext>
+            </a:extLst>
+          </p:cNvPr>
+          <p:cNvSpPr txBox="1"/>
+          <p:nvPr/>
+        </p:nvSpPr>
+        <p:spPr>
+          <a:xfrm>
+            <a:off x="1819571" y="3380586"/>
+            <a:ext cx="4987636" cy="307777"/>
+          </a:xfrm>
+          <a:prstGeom prst="rect">
+            <a:avLst/>
+          </a:prstGeom>
+          <a:noFill/>
+        </p:spPr>
+        <p:txBody>
+          <a:bodyPr wrap="square" rtlCol="0">
+            <a:spAutoFit/>
+          </a:bodyPr>
+          <a:lstStyle/>
+          <a:p>
+            <a:pPr algn="ctr"/>
+            <a:r>
+              <a:rPr lang="en-US" altLang="ko-KR" sz="1400" dirty="0"/>
+              <a:t>Figure 1: Call Home Sequence Diagram</a:t>
+            </a:r>
+            <a:endParaRPr lang="ko-KR" altLang="en-US" sz="1400" dirty="0"/>
+          </a:p>
+        </p:txBody>
+      </p:sp>
+      <p:sp>
+        <p:nvSpPr>
+          <p:cNvPr id="27" name="TextBox 26">
+            <a:extLst>
+              <a:ext uri="{FF2B5EF4-FFF2-40B4-BE49-F238E27FC236}">
+                <a16:creationId xmlns:a16="http://schemas.microsoft.com/office/drawing/2014/main" id="{2C1796FD-9D36-B134-1CB0-75E479530431}"/>
+              </a:ext>
+            </a:extLst>
+          </p:cNvPr>
+          <p:cNvSpPr txBox="1"/>
+          <p:nvPr/>
+        </p:nvSpPr>
+        <p:spPr>
+          <a:xfrm>
+            <a:off x="1634837" y="537349"/>
+            <a:ext cx="2475346" cy="461665"/>
+          </a:xfrm>
+          <a:prstGeom prst="rect">
+            <a:avLst/>
+          </a:prstGeom>
+          <a:noFill/>
+        </p:spPr>
+        <p:txBody>
+          <a:bodyPr wrap="square" rtlCol="0">
+            <a:spAutoFit/>
+          </a:bodyPr>
+          <a:lstStyle/>
+          <a:p>
+            <a:pPr algn="ctr"/>
+            <a:r>
+              <a:rPr lang="en-US" altLang="ko-KR" sz="1200" dirty="0"/>
+              <a:t>NETCONF/RESTCONF</a:t>
+            </a:r>
+          </a:p>
+          <a:p>
+            <a:pPr algn="ctr"/>
+            <a:r>
+              <a:rPr lang="en-US" altLang="ko-KR" sz="1200" dirty="0"/>
+              <a:t>Server</a:t>
+            </a:r>
+            <a:endParaRPr lang="ko-KR" altLang="en-US" sz="1200" dirty="0"/>
+          </a:p>
+        </p:txBody>
+      </p:sp>
+      <p:sp>
+        <p:nvSpPr>
+          <p:cNvPr id="28" name="TextBox 27">
+            <a:extLst>
+              <a:ext uri="{FF2B5EF4-FFF2-40B4-BE49-F238E27FC236}">
+                <a16:creationId xmlns:a16="http://schemas.microsoft.com/office/drawing/2014/main" id="{DE7021FB-E45C-4B66-9331-B5C1690B6F4C}"/>
+              </a:ext>
+            </a:extLst>
+          </p:cNvPr>
+          <p:cNvSpPr txBox="1"/>
+          <p:nvPr/>
+        </p:nvSpPr>
+        <p:spPr>
+          <a:xfrm>
+            <a:off x="2881746" y="1175807"/>
+            <a:ext cx="3140357" cy="276999"/>
+          </a:xfrm>
+          <a:prstGeom prst="rect">
+            <a:avLst/>
+          </a:prstGeom>
+          <a:noFill/>
+        </p:spPr>
+        <p:txBody>
+          <a:bodyPr wrap="square" rtlCol="0">
+            <a:spAutoFit/>
+          </a:bodyPr>
+          <a:lstStyle/>
+          <a:p>
+            <a:pPr algn="ctr"/>
+            <a:r>
+              <a:rPr lang="en-US" altLang="ko-KR" sz="1200" dirty="0"/>
+              <a:t>1. TCP</a:t>
+            </a:r>
+            <a:endParaRPr lang="ko-KR" altLang="en-US" sz="1200" dirty="0"/>
+          </a:p>
+        </p:txBody>
+      </p:sp>
+      <p:sp>
+        <p:nvSpPr>
+          <p:cNvPr id="2" name="TextBox 1">
+            <a:extLst>
+              <a:ext uri="{FF2B5EF4-FFF2-40B4-BE49-F238E27FC236}">
+                <a16:creationId xmlns:a16="http://schemas.microsoft.com/office/drawing/2014/main" id="{425574A0-633A-5E3C-B8CF-E34134764E19}"/>
+              </a:ext>
+            </a:extLst>
+          </p:cNvPr>
+          <p:cNvSpPr txBox="1"/>
+          <p:nvPr/>
+        </p:nvSpPr>
+        <p:spPr>
+          <a:xfrm>
+            <a:off x="4858327" y="542040"/>
+            <a:ext cx="2475346" cy="461665"/>
+          </a:xfrm>
+          <a:prstGeom prst="rect">
+            <a:avLst/>
+          </a:prstGeom>
+          <a:noFill/>
+        </p:spPr>
+        <p:txBody>
+          <a:bodyPr wrap="square" rtlCol="0">
+            <a:spAutoFit/>
+          </a:bodyPr>
+          <a:lstStyle/>
+          <a:p>
+            <a:pPr algn="ctr"/>
+            <a:r>
+              <a:rPr lang="en-US" altLang="ko-KR" sz="1200" dirty="0"/>
+              <a:t>NETCONF/RESTCONF</a:t>
+            </a:r>
+          </a:p>
+          <a:p>
+            <a:pPr algn="ctr"/>
+            <a:r>
+              <a:rPr lang="en-US" altLang="ko-KR" sz="1200" dirty="0"/>
+              <a:t>Client</a:t>
+            </a:r>
+            <a:endParaRPr lang="ko-KR" altLang="en-US" sz="1200" dirty="0"/>
+          </a:p>
+        </p:txBody>
+      </p:sp>
+      <p:cxnSp>
+        <p:nvCxnSpPr>
+          <p:cNvPr id="4" name="직선 연결선 3">
+            <a:extLst>
+              <a:ext uri="{FF2B5EF4-FFF2-40B4-BE49-F238E27FC236}">
+                <a16:creationId xmlns:a16="http://schemas.microsoft.com/office/drawing/2014/main" id="{1619D87B-E0ED-C111-BD2A-C13A90D9B857}"/>
+              </a:ext>
+            </a:extLst>
+          </p:cNvPr>
+          <p:cNvCxnSpPr>
+            <a:cxnSpLocks/>
+          </p:cNvCxnSpPr>
+          <p:nvPr/>
+        </p:nvCxnSpPr>
+        <p:spPr>
+          <a:xfrm>
+            <a:off x="6096000" y="1015372"/>
+            <a:ext cx="0" cy="1857137"/>
+          </a:xfrm>
+          <a:prstGeom prst="line">
+            <a:avLst/>
+          </a:prstGeom>
+          <a:ln w="28575">
+            <a:solidFill>
+              <a:schemeClr val="accent2"/>
+            </a:solidFill>
+          </a:ln>
+        </p:spPr>
+        <p:style>
+          <a:lnRef idx="1">
+            <a:schemeClr val="accent1"/>
+          </a:lnRef>
+          <a:fillRef idx="0">
+            <a:schemeClr val="accent1"/>
+          </a:fillRef>
+          <a:effectRef idx="0">
+            <a:schemeClr val="accent1"/>
+          </a:effectRef>
+          <a:fontRef idx="minor">
+            <a:schemeClr val="tx1"/>
+          </a:fontRef>
+        </p:style>
+      </p:cxnSp>
+      <p:cxnSp>
+        <p:nvCxnSpPr>
+          <p:cNvPr id="24" name="직선 연결선 23">
+            <a:extLst>
+              <a:ext uri="{FF2B5EF4-FFF2-40B4-BE49-F238E27FC236}">
+                <a16:creationId xmlns:a16="http://schemas.microsoft.com/office/drawing/2014/main" id="{E06F96A8-D782-A471-18CA-CD3AA293F1CA}"/>
+              </a:ext>
+            </a:extLst>
+          </p:cNvPr>
+          <p:cNvCxnSpPr>
+            <a:cxnSpLocks/>
+          </p:cNvCxnSpPr>
+          <p:nvPr/>
+        </p:nvCxnSpPr>
+        <p:spPr>
+          <a:xfrm>
+            <a:off x="2798619" y="2003563"/>
+            <a:ext cx="3297381" cy="9242"/>
+          </a:xfrm>
+          <a:prstGeom prst="line">
+            <a:avLst/>
+          </a:prstGeom>
+          <a:ln w="28575">
+            <a:solidFill>
+              <a:schemeClr val="accent1"/>
+            </a:solidFill>
+            <a:prstDash val="sysDash"/>
+            <a:headEnd type="arrow" w="med" len="med"/>
+            <a:tailEnd type="none" w="med" len="med"/>
+          </a:ln>
+        </p:spPr>
+        <p:style>
+          <a:lnRef idx="1">
+            <a:schemeClr val="accent1"/>
+          </a:lnRef>
+          <a:fillRef idx="0">
+            <a:schemeClr val="accent1"/>
+          </a:fillRef>
+          <a:effectRef idx="0">
+            <a:schemeClr val="accent1"/>
+          </a:effectRef>
+          <a:fontRef idx="minor">
+            <a:schemeClr val="tx1"/>
+          </a:fontRef>
+        </p:style>
+      </p:cxnSp>
+      <p:cxnSp>
+        <p:nvCxnSpPr>
+          <p:cNvPr id="29" name="직선 연결선 28">
+            <a:extLst>
+              <a:ext uri="{FF2B5EF4-FFF2-40B4-BE49-F238E27FC236}">
+                <a16:creationId xmlns:a16="http://schemas.microsoft.com/office/drawing/2014/main" id="{1AC811A8-A6B6-8E4B-0690-57B4E19F0654}"/>
+              </a:ext>
+            </a:extLst>
+          </p:cNvPr>
+          <p:cNvCxnSpPr>
+            <a:cxnSpLocks/>
+          </p:cNvCxnSpPr>
+          <p:nvPr/>
+        </p:nvCxnSpPr>
+        <p:spPr>
+          <a:xfrm>
+            <a:off x="2798618" y="2604288"/>
+            <a:ext cx="3297381" cy="9242"/>
+          </a:xfrm>
+          <a:prstGeom prst="line">
+            <a:avLst/>
+          </a:prstGeom>
+          <a:ln w="28575">
+            <a:solidFill>
+              <a:schemeClr val="accent1"/>
+            </a:solidFill>
+            <a:prstDash val="sysDash"/>
+            <a:headEnd type="arrow" w="med" len="med"/>
+            <a:tailEnd type="none" w="med" len="med"/>
+          </a:ln>
+        </p:spPr>
+        <p:style>
+          <a:lnRef idx="1">
+            <a:schemeClr val="accent1"/>
+          </a:lnRef>
+          <a:fillRef idx="0">
+            <a:schemeClr val="accent1"/>
+          </a:fillRef>
+          <a:effectRef idx="0">
+            <a:schemeClr val="accent1"/>
+          </a:effectRef>
+          <a:fontRef idx="minor">
+            <a:schemeClr val="tx1"/>
+          </a:fontRef>
+        </p:style>
+      </p:cxnSp>
+      <p:sp>
+        <p:nvSpPr>
+          <p:cNvPr id="32" name="TextBox 31">
+            <a:extLst>
+              <a:ext uri="{FF2B5EF4-FFF2-40B4-BE49-F238E27FC236}">
+                <a16:creationId xmlns:a16="http://schemas.microsoft.com/office/drawing/2014/main" id="{08131C6A-7B9E-B731-62F5-64BBCFA4DBAF}"/>
+              </a:ext>
+            </a:extLst>
+          </p:cNvPr>
+          <p:cNvSpPr txBox="1"/>
+          <p:nvPr/>
+        </p:nvSpPr>
+        <p:spPr>
+          <a:xfrm>
+            <a:off x="2881748" y="1726393"/>
+            <a:ext cx="3140357" cy="276999"/>
+          </a:xfrm>
+          <a:prstGeom prst="rect">
+            <a:avLst/>
+          </a:prstGeom>
+          <a:noFill/>
+        </p:spPr>
+        <p:txBody>
+          <a:bodyPr wrap="square" rtlCol="0">
+            <a:spAutoFit/>
+          </a:bodyPr>
+          <a:lstStyle/>
+          <a:p>
+            <a:pPr algn="ctr"/>
+            <a:r>
+              <a:rPr lang="en-US" altLang="ko-KR" sz="1200" dirty="0"/>
+              <a:t>2. SSH/TLS</a:t>
+            </a:r>
+            <a:endParaRPr lang="ko-KR" altLang="en-US" sz="1200" dirty="0"/>
+          </a:p>
+        </p:txBody>
+      </p:sp>
+      <p:sp>
+        <p:nvSpPr>
+          <p:cNvPr id="33" name="TextBox 32">
+            <a:extLst>
+              <a:ext uri="{FF2B5EF4-FFF2-40B4-BE49-F238E27FC236}">
+                <a16:creationId xmlns:a16="http://schemas.microsoft.com/office/drawing/2014/main" id="{BF58D0DD-511F-9955-2723-43FBD50A8749}"/>
+              </a:ext>
+            </a:extLst>
+          </p:cNvPr>
+          <p:cNvSpPr txBox="1"/>
+          <p:nvPr/>
+        </p:nvSpPr>
+        <p:spPr>
+          <a:xfrm>
+            <a:off x="2877128" y="2325737"/>
+            <a:ext cx="3140357" cy="276999"/>
+          </a:xfrm>
+          <a:prstGeom prst="rect">
+            <a:avLst/>
+          </a:prstGeom>
+          <a:noFill/>
+        </p:spPr>
+        <p:txBody>
+          <a:bodyPr wrap="square" rtlCol="0">
+            <a:spAutoFit/>
+          </a:bodyPr>
+          <a:lstStyle/>
+          <a:p>
+            <a:pPr algn="ctr"/>
+            <a:r>
+              <a:rPr lang="en-US" altLang="ko-KR" sz="1200" dirty="0"/>
+              <a:t>3. NETCONF/RESTCONF</a:t>
+            </a:r>
+            <a:endParaRPr lang="ko-KR" altLang="en-US" sz="1200" dirty="0"/>
+          </a:p>
+        </p:txBody>
+      </p:sp>
+      <p:sp>
+        <p:nvSpPr>
+          <p:cNvPr id="38" name="TextBox 37">
+            <a:extLst>
+              <a:ext uri="{FF2B5EF4-FFF2-40B4-BE49-F238E27FC236}">
+                <a16:creationId xmlns:a16="http://schemas.microsoft.com/office/drawing/2014/main" id="{F04224A3-9B7F-3703-33A0-DB9D68F8B692}"/>
+              </a:ext>
+            </a:extLst>
+          </p:cNvPr>
+          <p:cNvSpPr txBox="1"/>
+          <p:nvPr/>
+        </p:nvSpPr>
+        <p:spPr>
+          <a:xfrm>
+            <a:off x="2715494" y="2918736"/>
+            <a:ext cx="3445162" cy="461665"/>
+          </a:xfrm>
+          <a:prstGeom prst="rect">
+            <a:avLst/>
+          </a:prstGeom>
+          <a:noFill/>
+        </p:spPr>
+        <p:txBody>
+          <a:bodyPr wrap="square" rtlCol="0">
+            <a:spAutoFit/>
+          </a:bodyPr>
+          <a:lstStyle/>
+          <a:p>
+            <a:r>
+              <a:rPr lang="en-US" altLang="ko-KR" sz="1200" dirty="0"/>
+              <a:t>Note: Arrows point from the “client” to the “server” at each protocol layer.</a:t>
+            </a:r>
+            <a:endParaRPr lang="ko-KR" altLang="en-US" sz="1200" dirty="0"/>
+          </a:p>
+        </p:txBody>
+      </p:sp>
+    </p:spTree>
+    <p:extLst>
+      <p:ext uri="{BB962C8B-B14F-4D97-AF65-F5344CB8AC3E}">
+        <p14:creationId xmlns:p14="http://schemas.microsoft.com/office/powerpoint/2010/main" val="2091685278"/>
+      </p:ext>
+    </p:extLst>
+  </p:cSld>
+  <p:clrMapOvr>
+    <a:masterClrMapping/>
+  </p:clrMapOvr>
+</p:sld>
+</file>
+
+<file path=ppt/slides/slide5.xml><?xml version="1.0" encoding="utf-8"?>
+<p:sld xmlns:a="http://schemas.openxmlformats.org/drawingml/2006/main" xmlns:r="http://schemas.openxmlformats.org/officeDocument/2006/relationships" xmlns:p="http://schemas.openxmlformats.org/presentationml/2006/main">
+  <p:cSld>
+    <p:spTree>
+      <p:nvGrpSpPr>
+        <p:cNvPr id="1" name="">
+          <a:extLst>
+            <a:ext uri="{FF2B5EF4-FFF2-40B4-BE49-F238E27FC236}">
               <a16:creationId xmlns:a16="http://schemas.microsoft.com/office/drawing/2014/main" id="{2C3E5C93-18C6-3C99-545C-FA696AF118FB}"/>
             </a:ext>
           </a:extLst>
@@ -7673,7 +8206,7 @@
 </p:sld>
 </file>
 
-<file path=ppt/slides/slide5.xml><?xml version="1.0" encoding="utf-8"?>
+<file path=ppt/slides/slide6.xml><?xml version="1.0" encoding="utf-8"?>
 <p:sld xmlns:a="http://schemas.openxmlformats.org/drawingml/2006/main" xmlns:r="http://schemas.openxmlformats.org/officeDocument/2006/relationships" xmlns:p="http://schemas.openxmlformats.org/presentationml/2006/main">
   <p:cSld>
     <p:spTree>
@@ -7709,7 +8242,7 @@
 </p:sld>
 </file>
 
-<file path=ppt/slides/slide6.xml><?xml version="1.0" encoding="utf-8"?>
+<file path=ppt/slides/slide7.xml><?xml version="1.0" encoding="utf-8"?>
 <p:sld xmlns:a="http://schemas.openxmlformats.org/drawingml/2006/main" xmlns:r="http://schemas.openxmlformats.org/officeDocument/2006/relationships" xmlns:p="http://schemas.openxmlformats.org/presentationml/2006/main">
   <p:cSld>
     <p:spTree>
@@ -7745,7 +8278,7 @@
 </p:sld>
 </file>
 
-<file path=ppt/slides/slide7.xml><?xml version="1.0" encoding="utf-8"?>
+<file path=ppt/slides/slide8.xml><?xml version="1.0" encoding="utf-8"?>
 <p:sld xmlns:a="http://schemas.openxmlformats.org/drawingml/2006/main" xmlns:r="http://schemas.openxmlformats.org/officeDocument/2006/relationships" xmlns:p="http://schemas.openxmlformats.org/presentationml/2006/main">
   <p:cSld>
     <p:spTree>
@@ -7781,7 +8314,7 @@
 </p:sld>
 </file>
 
-<file path=ppt/slides/slide8.xml><?xml version="1.0" encoding="utf-8"?>
+<file path=ppt/slides/slide9.xml><?xml version="1.0" encoding="utf-8"?>
 <p:sld xmlns:a="http://schemas.openxmlformats.org/drawingml/2006/main" xmlns:r="http://schemas.openxmlformats.org/officeDocument/2006/relationships" xmlns:p="http://schemas.openxmlformats.org/presentationml/2006/main">
   <p:cSld>
     <p:spTree>
